--- a/presentation.pptx
+++ b/presentation.pptx
@@ -5,10 +5,10 @@
     <p:sldMasterId id="2147483648" r:id="rId4"/>
   </p:sldMasterIdLst>
   <p:notesMasterIdLst>
-    <p:notesMasterId r:id="rId27"/>
+    <p:notesMasterId r:id="rId26"/>
   </p:notesMasterIdLst>
   <p:handoutMasterIdLst>
-    <p:handoutMasterId r:id="rId28"/>
+    <p:handoutMasterId r:id="rId27"/>
   </p:handoutMasterIdLst>
   <p:sldIdLst>
     <p:sldId id="2448" r:id="rId5"/>
@@ -26,13 +26,12 @@
     <p:sldId id="2450" r:id="rId17"/>
     <p:sldId id="2464" r:id="rId18"/>
     <p:sldId id="2457" r:id="rId19"/>
-    <p:sldId id="260" r:id="rId20"/>
-    <p:sldId id="2471" r:id="rId21"/>
-    <p:sldId id="2453" r:id="rId22"/>
-    <p:sldId id="262" r:id="rId23"/>
-    <p:sldId id="2454" r:id="rId24"/>
-    <p:sldId id="2456" r:id="rId25"/>
-    <p:sldId id="2436" r:id="rId26"/>
+    <p:sldId id="2473" r:id="rId20"/>
+    <p:sldId id="260" r:id="rId21"/>
+    <p:sldId id="2471" r:id="rId22"/>
+    <p:sldId id="2454" r:id="rId23"/>
+    <p:sldId id="2456" r:id="rId24"/>
+    <p:sldId id="2436" r:id="rId25"/>
   </p:sldIdLst>
   <p:sldSz cx="12192000" cy="6858000"/>
   <p:notesSz cx="6858000" cy="9144000"/>
@@ -845,7 +844,7 @@
           <a:p>
             <a:fld id="{228B34ED-4CDD-41C9-90F7-D768D5559A6F}" type="slidenum">
               <a:rPr lang="en-US" smtClean="0"/>
-              <a:t>16</a:t>
+              <a:t>17</a:t>
             </a:fld>
             <a:endParaRPr lang="en-US" dirty="0"/>
           </a:p>
@@ -929,7 +928,7 @@
           <a:p>
             <a:fld id="{228B34ED-4CDD-41C9-90F7-D768D5559A6F}" type="slidenum">
               <a:rPr lang="en-US" smtClean="0"/>
-              <a:t>21</a:t>
+              <a:t>20</a:t>
             </a:fld>
             <a:endParaRPr lang="en-US" dirty="0"/>
           </a:p>
@@ -7123,6 +7122,14 @@
 <file path=ppt/slides/slide16.xml><?xml version="1.0" encoding="utf-8"?>
 <p:sld xmlns:a="http://schemas.openxmlformats.org/drawingml/2006/main" xmlns:r="http://schemas.openxmlformats.org/officeDocument/2006/relationships" xmlns:p="http://schemas.openxmlformats.org/presentationml/2006/main">
   <p:cSld>
+    <p:bg>
+      <p:bgPr>
+        <a:solidFill>
+          <a:schemeClr val="bg1"/>
+        </a:solidFill>
+        <a:effectLst/>
+      </p:bgPr>
+    </p:bg>
     <p:spTree>
       <p:nvGrpSpPr>
         <p:cNvPr id="1" name=""/>
@@ -7137,40 +7144,12 @@
           <a:chExt cx="0" cy="0"/>
         </a:xfrm>
       </p:grpSpPr>
-      <p:sp>
-        <p:nvSpPr>
-          <p:cNvPr id="12" name="Title 11">
-            <a:extLst>
-              <a:ext uri="{FF2B5EF4-FFF2-40B4-BE49-F238E27FC236}">
-                <a16:creationId xmlns:a16="http://schemas.microsoft.com/office/drawing/2014/main" id="{50AEA731-C7D0-4A0E-B871-4F369D8BEAC5}"/>
-              </a:ext>
-            </a:extLst>
-          </p:cNvPr>
-          <p:cNvSpPr>
-            <a:spLocks noGrp="1"/>
-          </p:cNvSpPr>
-          <p:nvPr>
-            <p:ph type="title"/>
-          </p:nvPr>
-        </p:nvSpPr>
-        <p:spPr/>
-        <p:txBody>
-          <a:bodyPr/>
-          <a:lstStyle/>
-          <a:p>
-            <a:r>
-              <a:rPr lang="en-US" dirty="0"/>
-              <a:t>Meet the team</a:t>
-            </a:r>
-          </a:p>
-        </p:txBody>
-      </p:sp>
       <p:pic>
         <p:nvPicPr>
-          <p:cNvPr id="11" name="Picture Placeholder 10" descr="portrait">
-            <a:extLst>
-              <a:ext uri="{FF2B5EF4-FFF2-40B4-BE49-F238E27FC236}">
-                <a16:creationId xmlns:a16="http://schemas.microsoft.com/office/drawing/2014/main" id="{011BDE68-0A80-4D82-92C3-76544DD8F079}"/>
+          <p:cNvPr id="8" name="Picture Placeholder 7" descr="close up of computer code">
+            <a:extLst>
+              <a:ext uri="{FF2B5EF4-FFF2-40B4-BE49-F238E27FC236}">
+                <a16:creationId xmlns:a16="http://schemas.microsoft.com/office/drawing/2014/main" id="{1D5DB266-C804-437C-AED7-3D057820D244}"/>
               </a:ext>
             </a:extLst>
           </p:cNvPr>
@@ -7178,410 +7157,100 @@
             <a:picLocks noGrp="1" noChangeAspect="1"/>
           </p:cNvPicPr>
           <p:nvPr>
-            <p:ph type="pic" sz="quarter" idx="14"/>
+            <p:ph type="pic" sz="quarter" idx="10"/>
           </p:nvPr>
         </p:nvPicPr>
         <p:blipFill rotWithShape="1">
-          <a:blip r:embed="rId3" cstate="email">
+          <a:blip r:embed="rId2">
+            <a:alphaModFix amt="35000"/>
             <a:extLst>
               <a:ext uri="{BEBA8EAE-BF5A-486C-A8C5-ECC9F3942E4B}">
                 <a14:imgProps xmlns:a14="http://schemas.microsoft.com/office/drawing/2010/main">
-                  <a14:imgLayer r:embed="rId4">
+                  <a14:imgLayer r:embed="rId3">
                     <a14:imgEffect>
                       <a14:saturation sat="0"/>
                     </a14:imgEffect>
                   </a14:imgLayer>
                 </a14:imgProps>
               </a:ext>
-              <a:ext uri="{28A0092B-C50C-407E-A947-70E740481C1C}">
-                <a14:useLocalDpi xmlns:a14="http://schemas.microsoft.com/office/drawing/2010/main"/>
-              </a:ext>
             </a:extLst>
           </a:blip>
-          <a:srcRect t="5389" b="5389"/>
+          <a:srcRect t="7813" b="7813"/>
           <a:stretch/>
         </p:blipFill>
         <p:spPr/>
       </p:pic>
+      <p:sp>
+        <p:nvSpPr>
+          <p:cNvPr id="5" name="Title 4">
+            <a:extLst>
+              <a:ext uri="{FF2B5EF4-FFF2-40B4-BE49-F238E27FC236}">
+                <a16:creationId xmlns:a16="http://schemas.microsoft.com/office/drawing/2014/main" id="{14AB6F96-E5E8-4B40-A18C-2D078D1C2D4F}"/>
+              </a:ext>
+            </a:extLst>
+          </p:cNvPr>
+          <p:cNvSpPr>
+            <a:spLocks noGrp="1"/>
+          </p:cNvSpPr>
+          <p:nvPr>
+            <p:ph type="title"/>
+          </p:nvPr>
+        </p:nvSpPr>
+        <p:spPr>
+          <a:xfrm>
+            <a:off x="3591560" y="574120"/>
+            <a:ext cx="5593080" cy="573960"/>
+          </a:xfrm>
+        </p:spPr>
+        <p:txBody>
+          <a:bodyPr>
+            <a:noAutofit/>
+          </a:bodyPr>
+          <a:lstStyle/>
+          <a:p>
+            <a:r>
+              <a:rPr lang="en-US" sz="3600" dirty="0"/>
+              <a:t>TIMELINE</a:t>
+            </a:r>
+          </a:p>
+        </p:txBody>
+      </p:sp>
       <p:pic>
         <p:nvPicPr>
-          <p:cNvPr id="16" name="Picture Placeholder 15" descr="portrait">
-            <a:extLst>
-              <a:ext uri="{FF2B5EF4-FFF2-40B4-BE49-F238E27FC236}">
-                <a16:creationId xmlns:a16="http://schemas.microsoft.com/office/drawing/2014/main" id="{740533F4-86F2-4B1E-96A3-2FA4F436D3A6}"/>
+          <p:cNvPr id="7" name="Picture 6">
+            <a:extLst>
+              <a:ext uri="{FF2B5EF4-FFF2-40B4-BE49-F238E27FC236}">
+                <a16:creationId xmlns:a16="http://schemas.microsoft.com/office/drawing/2014/main" id="{C7EC47D7-F746-CBF8-6BF8-18EA3D1B1F1B}"/>
               </a:ext>
             </a:extLst>
           </p:cNvPr>
           <p:cNvPicPr>
-            <a:picLocks noGrp="1" noChangeAspect="1"/>
+            <a:picLocks noChangeAspect="1"/>
           </p:cNvPicPr>
-          <p:nvPr>
-            <p:ph type="pic" sz="quarter" idx="15"/>
-          </p:nvPr>
+          <p:nvPr/>
         </p:nvPicPr>
-        <p:blipFill rotWithShape="1">
-          <a:blip r:embed="rId5" cstate="email">
-            <a:extLst>
-              <a:ext uri="{BEBA8EAE-BF5A-486C-A8C5-ECC9F3942E4B}">
-                <a14:imgProps xmlns:a14="http://schemas.microsoft.com/office/drawing/2010/main">
-                  <a14:imgLayer r:embed="rId6">
-                    <a14:imgEffect>
-                      <a14:saturation sat="0"/>
-                    </a14:imgEffect>
-                  </a14:imgLayer>
-                </a14:imgProps>
-              </a:ext>
-              <a:ext uri="{28A0092B-C50C-407E-A947-70E740481C1C}">
-                <a14:useLocalDpi xmlns:a14="http://schemas.microsoft.com/office/drawing/2010/main"/>
-              </a:ext>
-            </a:extLst>
+        <p:blipFill>
+          <a:blip r:embed="rId4">
+            <a:alphaModFix amt="85000"/>
           </a:blip>
-          <a:srcRect l="33885" t="18388" r="16167" b="36404"/>
-          <a:stretch/>
+          <a:stretch>
+            <a:fillRect/>
+          </a:stretch>
         </p:blipFill>
         <p:spPr>
           <a:xfrm>
-            <a:off x="4051300" y="365125"/>
-            <a:ext cx="2997200" cy="1781979"/>
+            <a:off x="1541381" y="1462947"/>
+            <a:ext cx="9109238" cy="4902213"/>
           </a:xfrm>
+          <a:prstGeom prst="rect">
+            <a:avLst/>
+          </a:prstGeom>
         </p:spPr>
       </p:pic>
-      <p:pic>
-        <p:nvPicPr>
-          <p:cNvPr id="18" name="Picture Placeholder 17" descr="portrait">
-            <a:extLst>
-              <a:ext uri="{FF2B5EF4-FFF2-40B4-BE49-F238E27FC236}">
-                <a16:creationId xmlns:a16="http://schemas.microsoft.com/office/drawing/2014/main" id="{18BC2A5A-7F05-4444-8281-26D531194187}"/>
-              </a:ext>
-            </a:extLst>
-          </p:cNvPr>
-          <p:cNvPicPr>
-            <a:picLocks noGrp="1" noChangeAspect="1"/>
-          </p:cNvPicPr>
-          <p:nvPr>
-            <p:ph type="pic" sz="quarter" idx="16"/>
-          </p:nvPr>
-        </p:nvPicPr>
-        <p:blipFill rotWithShape="1">
-          <a:blip r:embed="rId7" cstate="email">
-            <a:grayscl/>
-            <a:extLst>
-              <a:ext uri="{28A0092B-C50C-407E-A947-70E740481C1C}">
-                <a14:useLocalDpi xmlns:a14="http://schemas.microsoft.com/office/drawing/2010/main"/>
-              </a:ext>
-            </a:extLst>
-          </a:blip>
-          <a:srcRect t="5389" b="5389"/>
-          <a:stretch/>
-        </p:blipFill>
-        <p:spPr/>
-      </p:pic>
-      <p:pic>
-        <p:nvPicPr>
-          <p:cNvPr id="22" name="Picture Placeholder 21" descr="portrait">
-            <a:extLst>
-              <a:ext uri="{FF2B5EF4-FFF2-40B4-BE49-F238E27FC236}">
-                <a16:creationId xmlns:a16="http://schemas.microsoft.com/office/drawing/2014/main" id="{AF3616EE-41A1-44FC-B25A-038F0C3213D4}"/>
-              </a:ext>
-            </a:extLst>
-          </p:cNvPr>
-          <p:cNvPicPr>
-            <a:picLocks noGrp="1" noChangeAspect="1"/>
-          </p:cNvPicPr>
-          <p:nvPr>
-            <p:ph type="pic" sz="quarter" idx="17"/>
-          </p:nvPr>
-        </p:nvPicPr>
-        <p:blipFill rotWithShape="1">
-          <a:blip r:embed="rId8" cstate="email">
-            <a:extLst>
-              <a:ext uri="{BEBA8EAE-BF5A-486C-A8C5-ECC9F3942E4B}">
-                <a14:imgProps xmlns:a14="http://schemas.microsoft.com/office/drawing/2010/main">
-                  <a14:imgLayer r:embed="rId9">
-                    <a14:imgEffect>
-                      <a14:saturation sat="0"/>
-                    </a14:imgEffect>
-                  </a14:imgLayer>
-                </a14:imgProps>
-              </a:ext>
-              <a:ext uri="{28A0092B-C50C-407E-A947-70E740481C1C}">
-                <a14:useLocalDpi xmlns:a14="http://schemas.microsoft.com/office/drawing/2010/main"/>
-              </a:ext>
-            </a:extLst>
-          </a:blip>
-          <a:srcRect t="5389" b="5389"/>
-          <a:stretch/>
-        </p:blipFill>
-        <p:spPr/>
-      </p:pic>
-      <p:pic>
-        <p:nvPicPr>
-          <p:cNvPr id="24" name="Picture Placeholder 23" descr="portrait">
-            <a:extLst>
-              <a:ext uri="{FF2B5EF4-FFF2-40B4-BE49-F238E27FC236}">
-                <a16:creationId xmlns:a16="http://schemas.microsoft.com/office/drawing/2014/main" id="{2708FFA5-E81C-4FD0-970D-C71D36C8D365}"/>
-              </a:ext>
-            </a:extLst>
-          </p:cNvPr>
-          <p:cNvPicPr>
-            <a:picLocks noGrp="1" noChangeAspect="1"/>
-          </p:cNvPicPr>
-          <p:nvPr>
-            <p:ph type="pic" sz="quarter" idx="18"/>
-          </p:nvPr>
-        </p:nvPicPr>
-        <p:blipFill rotWithShape="1">
-          <a:blip r:embed="rId10" cstate="email">
-            <a:extLst>
-              <a:ext uri="{BEBA8EAE-BF5A-486C-A8C5-ECC9F3942E4B}">
-                <a14:imgProps xmlns:a14="http://schemas.microsoft.com/office/drawing/2010/main">
-                  <a14:imgLayer r:embed="rId11">
-                    <a14:imgEffect>
-                      <a14:saturation sat="0"/>
-                    </a14:imgEffect>
-                  </a14:imgLayer>
-                </a14:imgProps>
-              </a:ext>
-              <a:ext uri="{28A0092B-C50C-407E-A947-70E740481C1C}">
-                <a14:useLocalDpi xmlns:a14="http://schemas.microsoft.com/office/drawing/2010/main"/>
-              </a:ext>
-            </a:extLst>
-          </a:blip>
-          <a:srcRect t="5389" b="5389"/>
-          <a:stretch/>
-        </p:blipFill>
-        <p:spPr/>
-      </p:pic>
-      <p:pic>
-        <p:nvPicPr>
-          <p:cNvPr id="20" name="Picture Placeholder 19" descr="portrait">
-            <a:extLst>
-              <a:ext uri="{FF2B5EF4-FFF2-40B4-BE49-F238E27FC236}">
-                <a16:creationId xmlns:a16="http://schemas.microsoft.com/office/drawing/2014/main" id="{5AFBBF42-7056-4477-896E-1E8073CB4729}"/>
-              </a:ext>
-            </a:extLst>
-          </p:cNvPr>
-          <p:cNvPicPr>
-            <a:picLocks noGrp="1" noChangeAspect="1"/>
-          </p:cNvPicPr>
-          <p:nvPr>
-            <p:ph type="pic" sz="quarter" idx="19"/>
-          </p:nvPr>
-        </p:nvPicPr>
-        <p:blipFill rotWithShape="1">
-          <a:blip r:embed="rId12" cstate="email">
-            <a:extLst>
-              <a:ext uri="{BEBA8EAE-BF5A-486C-A8C5-ECC9F3942E4B}">
-                <a14:imgProps xmlns:a14="http://schemas.microsoft.com/office/drawing/2010/main">
-                  <a14:imgLayer r:embed="rId13">
-                    <a14:imgEffect>
-                      <a14:saturation sat="0"/>
-                    </a14:imgEffect>
-                  </a14:imgLayer>
-                </a14:imgProps>
-              </a:ext>
-              <a:ext uri="{28A0092B-C50C-407E-A947-70E740481C1C}">
-                <a14:useLocalDpi xmlns:a14="http://schemas.microsoft.com/office/drawing/2010/main"/>
-              </a:ext>
-            </a:extLst>
-          </a:blip>
-          <a:srcRect l="8985" t="7844" r="6193" b="16511"/>
-          <a:stretch/>
-        </p:blipFill>
-        <p:spPr>
-          <a:xfrm>
-            <a:off x="4051300" y="4479925"/>
-            <a:ext cx="2997200" cy="1781979"/>
-          </a:xfrm>
-        </p:spPr>
-      </p:pic>
-      <p:sp>
-        <p:nvSpPr>
-          <p:cNvPr id="13" name="Content Placeholder 12">
-            <a:extLst>
-              <a:ext uri="{FF2B5EF4-FFF2-40B4-BE49-F238E27FC236}">
-                <a16:creationId xmlns:a16="http://schemas.microsoft.com/office/drawing/2014/main" id="{A4E49AC7-7A73-4B51-BDF6-EABA3162F4B7}"/>
-              </a:ext>
-            </a:extLst>
-          </p:cNvPr>
-          <p:cNvSpPr>
-            <a:spLocks noGrp="1"/>
-          </p:cNvSpPr>
-          <p:nvPr>
-            <p:ph idx="1"/>
-          </p:nvPr>
-        </p:nvSpPr>
-        <p:spPr/>
-        <p:txBody>
-          <a:bodyPr>
-            <a:normAutofit/>
-          </a:bodyPr>
-          <a:lstStyle/>
-          <a:p>
-            <a:pPr marL="0" indent="0">
-              <a:buNone/>
-            </a:pPr>
-            <a:r>
-              <a:rPr lang="en-US" sz="1800" spc="300" dirty="0"/>
-              <a:t>ANA</a:t>
-            </a:r>
-          </a:p>
-          <a:p>
-            <a:pPr marL="0" indent="0">
-              <a:lnSpc>
-                <a:spcPct val="100000"/>
-              </a:lnSpc>
-              <a:buNone/>
-            </a:pPr>
-            <a:r>
-              <a:rPr lang="en-US" sz="1500" dirty="0"/>
-              <a:t>CEO</a:t>
-            </a:r>
-          </a:p>
-          <a:p>
-            <a:pPr marL="0" indent="0">
-              <a:buNone/>
-            </a:pPr>
-            <a:r>
-              <a:rPr lang="en-US" sz="1800" spc="300" dirty="0"/>
-              <a:t>LARISSA</a:t>
-            </a:r>
-          </a:p>
-          <a:p>
-            <a:pPr marL="0" indent="0">
-              <a:lnSpc>
-                <a:spcPct val="100000"/>
-              </a:lnSpc>
-              <a:buNone/>
-            </a:pPr>
-            <a:r>
-              <a:rPr lang="en-US" sz="1500" dirty="0"/>
-              <a:t>CFO</a:t>
-            </a:r>
-          </a:p>
-          <a:p>
-            <a:pPr marL="0" indent="0">
-              <a:buNone/>
-            </a:pPr>
-            <a:r>
-              <a:rPr lang="en-US" sz="1800" spc="300" dirty="0"/>
-              <a:t>ROMAN</a:t>
-            </a:r>
-          </a:p>
-          <a:p>
-            <a:pPr marL="0" indent="0">
-              <a:lnSpc>
-                <a:spcPct val="100000"/>
-              </a:lnSpc>
-              <a:buNone/>
-            </a:pPr>
-            <a:r>
-              <a:rPr lang="en-US" sz="1500" dirty="0"/>
-              <a:t>CTO</a:t>
-            </a:r>
-          </a:p>
-          <a:p>
-            <a:pPr marL="0" indent="0">
-              <a:buNone/>
-            </a:pPr>
-            <a:r>
-              <a:rPr lang="en-US" sz="1800" spc="300" dirty="0"/>
-              <a:t>FEDERICO</a:t>
-            </a:r>
-            <a:r>
-              <a:rPr lang="en-US" sz="1800" dirty="0"/>
-              <a:t> </a:t>
-            </a:r>
-          </a:p>
-          <a:p>
-            <a:pPr marL="0" indent="0">
-              <a:lnSpc>
-                <a:spcPct val="100000"/>
-              </a:lnSpc>
-              <a:buNone/>
-            </a:pPr>
-            <a:r>
-              <a:rPr lang="en-US" sz="1500" dirty="0"/>
-              <a:t>CPO</a:t>
-            </a:r>
-          </a:p>
-          <a:p>
-            <a:pPr marL="0" indent="0">
-              <a:buNone/>
-            </a:pPr>
-            <a:r>
-              <a:rPr lang="en-US" sz="1800" spc="300" dirty="0"/>
-              <a:t>ALEJANDRA </a:t>
-            </a:r>
-          </a:p>
-          <a:p>
-            <a:pPr marL="0" indent="0">
-              <a:lnSpc>
-                <a:spcPct val="100000"/>
-              </a:lnSpc>
-              <a:buNone/>
-            </a:pPr>
-            <a:r>
-              <a:rPr lang="en-US" sz="1500" dirty="0"/>
-              <a:t>CMO</a:t>
-            </a:r>
-          </a:p>
-          <a:p>
-            <a:pPr marL="0" indent="0">
-              <a:buNone/>
-            </a:pPr>
-            <a:r>
-              <a:rPr lang="en-US" sz="1800" spc="300" dirty="0"/>
-              <a:t>JIM </a:t>
-            </a:r>
-          </a:p>
-          <a:p>
-            <a:pPr marL="0" indent="0">
-              <a:lnSpc>
-                <a:spcPct val="100000"/>
-              </a:lnSpc>
-              <a:buNone/>
-            </a:pPr>
-            <a:r>
-              <a:rPr lang="en-US" sz="1500" dirty="0"/>
-              <a:t>COO</a:t>
-            </a:r>
-          </a:p>
-        </p:txBody>
-      </p:sp>
-      <p:sp>
-        <p:nvSpPr>
-          <p:cNvPr id="6" name="Slide Number Placeholder 5">
-            <a:extLst>
-              <a:ext uri="{FF2B5EF4-FFF2-40B4-BE49-F238E27FC236}">
-                <a16:creationId xmlns:a16="http://schemas.microsoft.com/office/drawing/2014/main" id="{929F2A82-A1C3-4571-9ED3-A0EC079893EC}"/>
-              </a:ext>
-            </a:extLst>
-          </p:cNvPr>
-          <p:cNvSpPr>
-            <a:spLocks noGrp="1"/>
-          </p:cNvSpPr>
-          <p:nvPr>
-            <p:ph type="sldNum" sz="quarter" idx="4"/>
-          </p:nvPr>
-        </p:nvSpPr>
-        <p:spPr/>
-        <p:txBody>
-          <a:bodyPr/>
-          <a:lstStyle/>
-          <a:p>
-            <a:fld id="{8C2E478F-E849-4A8C-AF1F-CBCC78A7CBFA}" type="slidenum">
-              <a:rPr lang="en-US" smtClean="0"/>
-              <a:t>16</a:t>
-            </a:fld>
-            <a:endParaRPr lang="en-US" dirty="0"/>
-          </a:p>
-        </p:txBody>
-      </p:sp>
     </p:spTree>
     <p:extLst>
       <p:ext uri="{BB962C8B-B14F-4D97-AF65-F5344CB8AC3E}">
-        <p14:creationId xmlns:p14="http://schemas.microsoft.com/office/powerpoint/2010/main" val="2720361709"/>
+        <p14:creationId xmlns:p14="http://schemas.microsoft.com/office/powerpoint/2010/main" val="1916389829"/>
       </p:ext>
     </p:extLst>
   </p:cSld>
@@ -7610,10 +7279,10 @@
       </p:grpSpPr>
       <p:sp>
         <p:nvSpPr>
-          <p:cNvPr id="3" name="Title 2">
-            <a:extLst>
-              <a:ext uri="{FF2B5EF4-FFF2-40B4-BE49-F238E27FC236}">
-                <a16:creationId xmlns:a16="http://schemas.microsoft.com/office/drawing/2014/main" id="{1D24B42B-925B-494C-A986-BD85E8117E1E}"/>
+          <p:cNvPr id="12" name="Title 11">
+            <a:extLst>
+              <a:ext uri="{FF2B5EF4-FFF2-40B4-BE49-F238E27FC236}">
+                <a16:creationId xmlns:a16="http://schemas.microsoft.com/office/drawing/2014/main" id="{50AEA731-C7D0-4A0E-B871-4F369D8BEAC5}"/>
               </a:ext>
             </a:extLst>
           </p:cNvPr>
@@ -7626,24 +7295,22 @@
         </p:nvSpPr>
         <p:spPr/>
         <p:txBody>
-          <a:bodyPr>
-            <a:normAutofit/>
-          </a:bodyPr>
+          <a:bodyPr/>
           <a:lstStyle/>
           <a:p>
             <a:r>
               <a:rPr lang="en-US" dirty="0"/>
-              <a:t>What’s next</a:t>
+              <a:t>Meet the team</a:t>
             </a:r>
           </a:p>
         </p:txBody>
       </p:sp>
       <p:pic>
         <p:nvPicPr>
-          <p:cNvPr id="13" name="Picture Placeholder 12" descr="close up of computer on top of table against a brick wall">
-            <a:extLst>
-              <a:ext uri="{FF2B5EF4-FFF2-40B4-BE49-F238E27FC236}">
-                <a16:creationId xmlns:a16="http://schemas.microsoft.com/office/drawing/2014/main" id="{90BB9493-60B4-4B89-89CE-E1F8BF6C4D12}"/>
+          <p:cNvPr id="11" name="Picture Placeholder 10" descr="portrait">
+            <a:extLst>
+              <a:ext uri="{FF2B5EF4-FFF2-40B4-BE49-F238E27FC236}">
+                <a16:creationId xmlns:a16="http://schemas.microsoft.com/office/drawing/2014/main" id="{011BDE68-0A80-4D82-92C3-76544DD8F079}"/>
               </a:ext>
             </a:extLst>
           </p:cNvPr>
@@ -7651,15 +7318,15 @@
             <a:picLocks noGrp="1" noChangeAspect="1"/>
           </p:cNvPicPr>
           <p:nvPr>
-            <p:ph type="pic" sz="quarter" idx="13"/>
+            <p:ph type="pic" sz="quarter" idx="14"/>
           </p:nvPr>
         </p:nvPicPr>
         <p:blipFill rotWithShape="1">
-          <a:blip r:embed="rId2" cstate="email">
+          <a:blip r:embed="rId3" cstate="email">
             <a:extLst>
               <a:ext uri="{BEBA8EAE-BF5A-486C-A8C5-ECC9F3942E4B}">
                 <a14:imgProps xmlns:a14="http://schemas.microsoft.com/office/drawing/2010/main">
-                  <a14:imgLayer r:embed="rId3">
+                  <a14:imgLayer r:embed="rId4">
                     <a14:imgEffect>
                       <a14:saturation sat="0"/>
                     </a14:imgEffect>
@@ -7671,58 +7338,371 @@
               </a:ext>
             </a:extLst>
           </a:blip>
-          <a:srcRect l="20370" r="20370"/>
+          <a:srcRect t="5389" b="5389"/>
           <a:stretch/>
         </p:blipFill>
         <p:spPr/>
       </p:pic>
-      <p:sp>
-        <p:nvSpPr>
-          <p:cNvPr id="5" name="Text Placeholder 4">
-            <a:extLst>
-              <a:ext uri="{FF2B5EF4-FFF2-40B4-BE49-F238E27FC236}">
-                <a16:creationId xmlns:a16="http://schemas.microsoft.com/office/drawing/2014/main" id="{AF9B872F-6332-408E-9135-B871F0C90C00}"/>
-              </a:ext>
-            </a:extLst>
-          </p:cNvPr>
-          <p:cNvSpPr>
-            <a:spLocks noGrp="1"/>
-          </p:cNvSpPr>
-          <p:nvPr>
-            <p:ph type="body" idx="1"/>
-          </p:nvPr>
-        </p:nvSpPr>
+      <p:pic>
+        <p:nvPicPr>
+          <p:cNvPr id="16" name="Picture Placeholder 15" descr="portrait">
+            <a:extLst>
+              <a:ext uri="{FF2B5EF4-FFF2-40B4-BE49-F238E27FC236}">
+                <a16:creationId xmlns:a16="http://schemas.microsoft.com/office/drawing/2014/main" id="{740533F4-86F2-4B1E-96A3-2FA4F436D3A6}"/>
+              </a:ext>
+            </a:extLst>
+          </p:cNvPr>
+          <p:cNvPicPr>
+            <a:picLocks noGrp="1" noChangeAspect="1"/>
+          </p:cNvPicPr>
+          <p:nvPr>
+            <p:ph type="pic" sz="quarter" idx="15"/>
+          </p:nvPr>
+        </p:nvPicPr>
+        <p:blipFill rotWithShape="1">
+          <a:blip r:embed="rId5" cstate="email">
+            <a:extLst>
+              <a:ext uri="{BEBA8EAE-BF5A-486C-A8C5-ECC9F3942E4B}">
+                <a14:imgProps xmlns:a14="http://schemas.microsoft.com/office/drawing/2010/main">
+                  <a14:imgLayer r:embed="rId6">
+                    <a14:imgEffect>
+                      <a14:saturation sat="0"/>
+                    </a14:imgEffect>
+                  </a14:imgLayer>
+                </a14:imgProps>
+              </a:ext>
+              <a:ext uri="{28A0092B-C50C-407E-A947-70E740481C1C}">
+                <a14:useLocalDpi xmlns:a14="http://schemas.microsoft.com/office/drawing/2010/main"/>
+              </a:ext>
+            </a:extLst>
+          </a:blip>
+          <a:srcRect l="33885" t="18388" r="16167" b="36404"/>
+          <a:stretch/>
+        </p:blipFill>
         <p:spPr>
           <a:xfrm>
-            <a:off x="6096000" y="4378134"/>
-            <a:ext cx="2377440" cy="365125"/>
+            <a:off x="4051300" y="365125"/>
+            <a:ext cx="2997200" cy="1781979"/>
           </a:xfrm>
         </p:spPr>
-        <p:txBody>
-          <a:bodyPr/>
+      </p:pic>
+      <p:pic>
+        <p:nvPicPr>
+          <p:cNvPr id="18" name="Picture Placeholder 17" descr="portrait">
+            <a:extLst>
+              <a:ext uri="{FF2B5EF4-FFF2-40B4-BE49-F238E27FC236}">
+                <a16:creationId xmlns:a16="http://schemas.microsoft.com/office/drawing/2014/main" id="{18BC2A5A-7F05-4444-8281-26D531194187}"/>
+              </a:ext>
+            </a:extLst>
+          </p:cNvPr>
+          <p:cNvPicPr>
+            <a:picLocks noGrp="1" noChangeAspect="1"/>
+          </p:cNvPicPr>
+          <p:nvPr>
+            <p:ph type="pic" sz="quarter" idx="16"/>
+          </p:nvPr>
+        </p:nvPicPr>
+        <p:blipFill rotWithShape="1">
+          <a:blip r:embed="rId7" cstate="email">
+            <a:grayscl/>
+            <a:extLst>
+              <a:ext uri="{28A0092B-C50C-407E-A947-70E740481C1C}">
+                <a14:useLocalDpi xmlns:a14="http://schemas.microsoft.com/office/drawing/2010/main"/>
+              </a:ext>
+            </a:extLst>
+          </a:blip>
+          <a:srcRect t="5389" b="5389"/>
+          <a:stretch/>
+        </p:blipFill>
+        <p:spPr/>
+      </p:pic>
+      <p:pic>
+        <p:nvPicPr>
+          <p:cNvPr id="22" name="Picture Placeholder 21" descr="portrait">
+            <a:extLst>
+              <a:ext uri="{FF2B5EF4-FFF2-40B4-BE49-F238E27FC236}">
+                <a16:creationId xmlns:a16="http://schemas.microsoft.com/office/drawing/2014/main" id="{AF3616EE-41A1-44FC-B25A-038F0C3213D4}"/>
+              </a:ext>
+            </a:extLst>
+          </p:cNvPr>
+          <p:cNvPicPr>
+            <a:picLocks noGrp="1" noChangeAspect="1"/>
+          </p:cNvPicPr>
+          <p:nvPr>
+            <p:ph type="pic" sz="quarter" idx="17"/>
+          </p:nvPr>
+        </p:nvPicPr>
+        <p:blipFill rotWithShape="1">
+          <a:blip r:embed="rId8" cstate="email">
+            <a:extLst>
+              <a:ext uri="{BEBA8EAE-BF5A-486C-A8C5-ECC9F3942E4B}">
+                <a14:imgProps xmlns:a14="http://schemas.microsoft.com/office/drawing/2010/main">
+                  <a14:imgLayer r:embed="rId9">
+                    <a14:imgEffect>
+                      <a14:saturation sat="0"/>
+                    </a14:imgEffect>
+                  </a14:imgLayer>
+                </a14:imgProps>
+              </a:ext>
+              <a:ext uri="{28A0092B-C50C-407E-A947-70E740481C1C}">
+                <a14:useLocalDpi xmlns:a14="http://schemas.microsoft.com/office/drawing/2010/main"/>
+              </a:ext>
+            </a:extLst>
+          </a:blip>
+          <a:srcRect t="5389" b="5389"/>
+          <a:stretch/>
+        </p:blipFill>
+        <p:spPr/>
+      </p:pic>
+      <p:pic>
+        <p:nvPicPr>
+          <p:cNvPr id="24" name="Picture Placeholder 23" descr="portrait">
+            <a:extLst>
+              <a:ext uri="{FF2B5EF4-FFF2-40B4-BE49-F238E27FC236}">
+                <a16:creationId xmlns:a16="http://schemas.microsoft.com/office/drawing/2014/main" id="{2708FFA5-E81C-4FD0-970D-C71D36C8D365}"/>
+              </a:ext>
+            </a:extLst>
+          </p:cNvPr>
+          <p:cNvPicPr>
+            <a:picLocks noGrp="1" noChangeAspect="1"/>
+          </p:cNvPicPr>
+          <p:nvPr>
+            <p:ph type="pic" sz="quarter" idx="18"/>
+          </p:nvPr>
+        </p:nvPicPr>
+        <p:blipFill rotWithShape="1">
+          <a:blip r:embed="rId10" cstate="email">
+            <a:extLst>
+              <a:ext uri="{BEBA8EAE-BF5A-486C-A8C5-ECC9F3942E4B}">
+                <a14:imgProps xmlns:a14="http://schemas.microsoft.com/office/drawing/2010/main">
+                  <a14:imgLayer r:embed="rId11">
+                    <a14:imgEffect>
+                      <a14:saturation sat="0"/>
+                    </a14:imgEffect>
+                  </a14:imgLayer>
+                </a14:imgProps>
+              </a:ext>
+              <a:ext uri="{28A0092B-C50C-407E-A947-70E740481C1C}">
+                <a14:useLocalDpi xmlns:a14="http://schemas.microsoft.com/office/drawing/2010/main"/>
+              </a:ext>
+            </a:extLst>
+          </a:blip>
+          <a:srcRect t="5389" b="5389"/>
+          <a:stretch/>
+        </p:blipFill>
+        <p:spPr/>
+      </p:pic>
+      <p:pic>
+        <p:nvPicPr>
+          <p:cNvPr id="20" name="Picture Placeholder 19" descr="portrait">
+            <a:extLst>
+              <a:ext uri="{FF2B5EF4-FFF2-40B4-BE49-F238E27FC236}">
+                <a16:creationId xmlns:a16="http://schemas.microsoft.com/office/drawing/2014/main" id="{5AFBBF42-7056-4477-896E-1E8073CB4729}"/>
+              </a:ext>
+            </a:extLst>
+          </p:cNvPr>
+          <p:cNvPicPr>
+            <a:picLocks noGrp="1" noChangeAspect="1"/>
+          </p:cNvPicPr>
+          <p:nvPr>
+            <p:ph type="pic" sz="quarter" idx="19"/>
+          </p:nvPr>
+        </p:nvPicPr>
+        <p:blipFill rotWithShape="1">
+          <a:blip r:embed="rId12" cstate="email">
+            <a:extLst>
+              <a:ext uri="{BEBA8EAE-BF5A-486C-A8C5-ECC9F3942E4B}">
+                <a14:imgProps xmlns:a14="http://schemas.microsoft.com/office/drawing/2010/main">
+                  <a14:imgLayer r:embed="rId13">
+                    <a14:imgEffect>
+                      <a14:saturation sat="0"/>
+                    </a14:imgEffect>
+                  </a14:imgLayer>
+                </a14:imgProps>
+              </a:ext>
+              <a:ext uri="{28A0092B-C50C-407E-A947-70E740481C1C}">
+                <a14:useLocalDpi xmlns:a14="http://schemas.microsoft.com/office/drawing/2010/main"/>
+              </a:ext>
+            </a:extLst>
+          </a:blip>
+          <a:srcRect l="8985" t="7844" r="6193" b="16511"/>
+          <a:stretch/>
+        </p:blipFill>
+        <p:spPr>
+          <a:xfrm>
+            <a:off x="4051300" y="4479925"/>
+            <a:ext cx="2997200" cy="1781979"/>
+          </a:xfrm>
+        </p:spPr>
+      </p:pic>
+      <p:sp>
+        <p:nvSpPr>
+          <p:cNvPr id="13" name="Content Placeholder 12">
+            <a:extLst>
+              <a:ext uri="{FF2B5EF4-FFF2-40B4-BE49-F238E27FC236}">
+                <a16:creationId xmlns:a16="http://schemas.microsoft.com/office/drawing/2014/main" id="{A4E49AC7-7A73-4B51-BDF6-EABA3162F4B7}"/>
+              </a:ext>
+            </a:extLst>
+          </p:cNvPr>
+          <p:cNvSpPr>
+            <a:spLocks noGrp="1"/>
+          </p:cNvSpPr>
+          <p:nvPr>
+            <p:ph idx="1"/>
+          </p:nvPr>
+        </p:nvSpPr>
+        <p:spPr/>
+        <p:txBody>
+          <a:bodyPr>
+            <a:normAutofit/>
+          </a:bodyPr>
           <a:lstStyle/>
           <a:p>
-            <a:r>
-              <a:rPr lang="en-US" spc="300" dirty="0"/>
-              <a:t>LOOKING AHEAD</a:t>
-            </a:r>
-          </a:p>
-        </p:txBody>
-      </p:sp>
-      <p:sp>
-        <p:nvSpPr>
-          <p:cNvPr id="2" name="Slide Number Placeholder 1">
-            <a:extLst>
-              <a:ext uri="{FF2B5EF4-FFF2-40B4-BE49-F238E27FC236}">
-                <a16:creationId xmlns:a16="http://schemas.microsoft.com/office/drawing/2014/main" id="{948DD8A0-BD53-4DBF-949B-0D64D12DADA9}"/>
-              </a:ext>
-            </a:extLst>
-          </p:cNvPr>
-          <p:cNvSpPr>
-            <a:spLocks noGrp="1"/>
-          </p:cNvSpPr>
-          <p:nvPr>
-            <p:ph type="sldNum" sz="quarter" idx="12"/>
+            <a:pPr marL="0" indent="0">
+              <a:buNone/>
+            </a:pPr>
+            <a:r>
+              <a:rPr lang="en-US" sz="1800" spc="300" dirty="0"/>
+              <a:t>ANA</a:t>
+            </a:r>
+          </a:p>
+          <a:p>
+            <a:pPr marL="0" indent="0">
+              <a:lnSpc>
+                <a:spcPct val="100000"/>
+              </a:lnSpc>
+              <a:buNone/>
+            </a:pPr>
+            <a:r>
+              <a:rPr lang="en-US" sz="1500" dirty="0"/>
+              <a:t>CEO</a:t>
+            </a:r>
+          </a:p>
+          <a:p>
+            <a:pPr marL="0" indent="0">
+              <a:buNone/>
+            </a:pPr>
+            <a:r>
+              <a:rPr lang="en-US" sz="1800" spc="300" dirty="0"/>
+              <a:t>LARISSA</a:t>
+            </a:r>
+          </a:p>
+          <a:p>
+            <a:pPr marL="0" indent="0">
+              <a:lnSpc>
+                <a:spcPct val="100000"/>
+              </a:lnSpc>
+              <a:buNone/>
+            </a:pPr>
+            <a:r>
+              <a:rPr lang="en-US" sz="1500" dirty="0"/>
+              <a:t>CFO</a:t>
+            </a:r>
+          </a:p>
+          <a:p>
+            <a:pPr marL="0" indent="0">
+              <a:buNone/>
+            </a:pPr>
+            <a:r>
+              <a:rPr lang="en-US" sz="1800" spc="300" dirty="0"/>
+              <a:t>ROMAN</a:t>
+            </a:r>
+          </a:p>
+          <a:p>
+            <a:pPr marL="0" indent="0">
+              <a:lnSpc>
+                <a:spcPct val="100000"/>
+              </a:lnSpc>
+              <a:buNone/>
+            </a:pPr>
+            <a:r>
+              <a:rPr lang="en-US" sz="1500" dirty="0"/>
+              <a:t>CTO</a:t>
+            </a:r>
+          </a:p>
+          <a:p>
+            <a:pPr marL="0" indent="0">
+              <a:buNone/>
+            </a:pPr>
+            <a:r>
+              <a:rPr lang="en-US" sz="1800" spc="300" dirty="0"/>
+              <a:t>FEDERICO</a:t>
+            </a:r>
+            <a:r>
+              <a:rPr lang="en-US" sz="1800" dirty="0"/>
+              <a:t> </a:t>
+            </a:r>
+          </a:p>
+          <a:p>
+            <a:pPr marL="0" indent="0">
+              <a:lnSpc>
+                <a:spcPct val="100000"/>
+              </a:lnSpc>
+              <a:buNone/>
+            </a:pPr>
+            <a:r>
+              <a:rPr lang="en-US" sz="1500" dirty="0"/>
+              <a:t>CPO</a:t>
+            </a:r>
+          </a:p>
+          <a:p>
+            <a:pPr marL="0" indent="0">
+              <a:buNone/>
+            </a:pPr>
+            <a:r>
+              <a:rPr lang="en-US" sz="1800" spc="300" dirty="0"/>
+              <a:t>ALEJANDRA </a:t>
+            </a:r>
+          </a:p>
+          <a:p>
+            <a:pPr marL="0" indent="0">
+              <a:lnSpc>
+                <a:spcPct val="100000"/>
+              </a:lnSpc>
+              <a:buNone/>
+            </a:pPr>
+            <a:r>
+              <a:rPr lang="en-US" sz="1500" dirty="0"/>
+              <a:t>CMO</a:t>
+            </a:r>
+          </a:p>
+          <a:p>
+            <a:pPr marL="0" indent="0">
+              <a:buNone/>
+            </a:pPr>
+            <a:r>
+              <a:rPr lang="en-US" sz="1800" spc="300" dirty="0"/>
+              <a:t>JIM </a:t>
+            </a:r>
+          </a:p>
+          <a:p>
+            <a:pPr marL="0" indent="0">
+              <a:lnSpc>
+                <a:spcPct val="100000"/>
+              </a:lnSpc>
+              <a:buNone/>
+            </a:pPr>
+            <a:r>
+              <a:rPr lang="en-US" sz="1500" dirty="0"/>
+              <a:t>COO</a:t>
+            </a:r>
+          </a:p>
+        </p:txBody>
+      </p:sp>
+      <p:sp>
+        <p:nvSpPr>
+          <p:cNvPr id="6" name="Slide Number Placeholder 5">
+            <a:extLst>
+              <a:ext uri="{FF2B5EF4-FFF2-40B4-BE49-F238E27FC236}">
+                <a16:creationId xmlns:a16="http://schemas.microsoft.com/office/drawing/2014/main" id="{929F2A82-A1C3-4571-9ED3-A0EC079893EC}"/>
+              </a:ext>
+            </a:extLst>
+          </p:cNvPr>
+          <p:cNvSpPr>
+            <a:spLocks noGrp="1"/>
+          </p:cNvSpPr>
+          <p:nvPr>
+            <p:ph type="sldNum" sz="quarter" idx="4"/>
           </p:nvPr>
         </p:nvSpPr>
         <p:spPr/>
@@ -7741,7 +7721,7 @@
     </p:spTree>
     <p:extLst>
       <p:ext uri="{BB962C8B-B14F-4D97-AF65-F5344CB8AC3E}">
-        <p14:creationId xmlns:p14="http://schemas.microsoft.com/office/powerpoint/2010/main" val="2968625696"/>
+        <p14:creationId xmlns:p14="http://schemas.microsoft.com/office/powerpoint/2010/main" val="2720361709"/>
       </p:ext>
     </p:extLst>
   </p:cSld>
@@ -7770,82 +7750,10 @@
       </p:grpSpPr>
       <p:sp>
         <p:nvSpPr>
-          <p:cNvPr id="9" name="Rectangle 8">
-            <a:extLst>
-              <a:ext uri="{FF2B5EF4-FFF2-40B4-BE49-F238E27FC236}">
-                <a16:creationId xmlns:a16="http://schemas.microsoft.com/office/drawing/2014/main" id="{7A457865-6CE4-48F7-9DE8-065695261810}"/>
-              </a:ext>
-              <a:ext uri="{C183D7F6-B498-43B3-948B-1728B52AA6E4}">
-                <adec:decorative xmlns:adec="http://schemas.microsoft.com/office/drawing/2017/decorative" val="1"/>
-              </a:ext>
-            </a:extLst>
-          </p:cNvPr>
-          <p:cNvSpPr/>
-          <p:nvPr/>
-        </p:nvSpPr>
-        <p:spPr>
-          <a:xfrm>
-            <a:off x="593725" y="2417615"/>
-            <a:ext cx="11002961" cy="557784"/>
-          </a:xfrm>
-          <a:prstGeom prst="rect">
-            <a:avLst/>
-          </a:prstGeom>
-          <a:gradFill flip="none" rotWithShape="1">
-            <a:gsLst>
-              <a:gs pos="0">
-                <a:schemeClr val="accent5"/>
-              </a:gs>
-              <a:gs pos="100000">
-                <a:schemeClr val="accent2">
-                  <a:lumMod val="98000"/>
-                  <a:lumOff val="2000"/>
-                </a:schemeClr>
-              </a:gs>
-              <a:gs pos="50000">
-                <a:schemeClr val="accent1"/>
-              </a:gs>
-            </a:gsLst>
-            <a:path path="circle">
-              <a:fillToRect l="100000" t="100000"/>
-            </a:path>
-            <a:tileRect r="-100000" b="-100000"/>
-          </a:gradFill>
-          <a:ln>
-            <a:noFill/>
-          </a:ln>
-        </p:spPr>
-        <p:style>
-          <a:lnRef idx="2">
-            <a:schemeClr val="accent1">
-              <a:shade val="50000"/>
-            </a:schemeClr>
-          </a:lnRef>
-          <a:fillRef idx="1">
-            <a:schemeClr val="accent1"/>
-          </a:fillRef>
-          <a:effectRef idx="0">
-            <a:schemeClr val="accent1"/>
-          </a:effectRef>
-          <a:fontRef idx="minor">
-            <a:schemeClr val="lt1"/>
-          </a:fontRef>
-        </p:style>
-        <p:txBody>
-          <a:bodyPr rtlCol="0" anchor="ctr"/>
-          <a:lstStyle/>
-          <a:p>
-            <a:pPr algn="ctr"/>
-            <a:endParaRPr lang="en-US" dirty="0"/>
-          </a:p>
-        </p:txBody>
-      </p:sp>
-      <p:sp>
-        <p:nvSpPr>
-          <p:cNvPr id="4" name="Title 3">
-            <a:extLst>
-              <a:ext uri="{FF2B5EF4-FFF2-40B4-BE49-F238E27FC236}">
-                <a16:creationId xmlns:a16="http://schemas.microsoft.com/office/drawing/2014/main" id="{16300B5C-7AD0-42EE-A289-DB61F249073A}"/>
+          <p:cNvPr id="3" name="Title 2">
+            <a:extLst>
+              <a:ext uri="{FF2B5EF4-FFF2-40B4-BE49-F238E27FC236}">
+                <a16:creationId xmlns:a16="http://schemas.microsoft.com/office/drawing/2014/main" id="{1D24B42B-925B-494C-A986-BD85E8117E1E}"/>
               </a:ext>
             </a:extLst>
           </p:cNvPr>
@@ -7864,1451 +7772,97 @@
           <a:lstStyle/>
           <a:p>
             <a:r>
-              <a:rPr lang="en-US" sz="4800" spc="300" dirty="0"/>
-              <a:t>quarterly</a:t>
-            </a:r>
-            <a:r>
-              <a:rPr lang="en-US" sz="4800" dirty="0"/>
-              <a:t> timeline</a:t>
-            </a:r>
-          </a:p>
-        </p:txBody>
-      </p:sp>
-      <p:graphicFrame>
-        <p:nvGraphicFramePr>
-          <p:cNvPr id="7" name="Table 7">
-            <a:extLst>
-              <a:ext uri="{FF2B5EF4-FFF2-40B4-BE49-F238E27FC236}">
-                <a16:creationId xmlns:a16="http://schemas.microsoft.com/office/drawing/2014/main" id="{B1897641-C811-4117-B9B9-5EE41B5A3203}"/>
-              </a:ext>
-            </a:extLst>
-          </p:cNvPr>
-          <p:cNvGraphicFramePr>
-            <a:graphicFrameLocks noGrp="1"/>
-          </p:cNvGraphicFramePr>
-          <p:nvPr>
-            <p:extLst>
-              <p:ext uri="{D42A27DB-BD31-4B8C-83A1-F6EECF244321}">
-                <p14:modId xmlns:p14="http://schemas.microsoft.com/office/powerpoint/2010/main" val="946177953"/>
-              </p:ext>
-            </p:extLst>
-          </p:nvPr>
-        </p:nvGraphicFramePr>
-        <p:xfrm>
-          <a:off x="681249" y="2400407"/>
-          <a:ext cx="10827912" cy="2871216"/>
-        </p:xfrm>
-        <a:graphic>
-          <a:graphicData uri="http://schemas.openxmlformats.org/drawingml/2006/table">
-            <a:tbl>
-              <a:tblPr firstRow="1" bandRow="1">
-                <a:tableStyleId>{5C22544A-7EE6-4342-B048-85BDC9FD1C3A}</a:tableStyleId>
-              </a:tblPr>
-              <a:tblGrid>
-                <a:gridCol w="902326">
-                  <a:extLst>
-                    <a:ext uri="{9D8B030D-6E8A-4147-A177-3AD203B41FA5}">
-                      <a16:colId xmlns:a16="http://schemas.microsoft.com/office/drawing/2014/main" val="711439747"/>
-                    </a:ext>
-                  </a:extLst>
-                </a:gridCol>
-                <a:gridCol w="902326">
-                  <a:extLst>
-                    <a:ext uri="{9D8B030D-6E8A-4147-A177-3AD203B41FA5}">
-                      <a16:colId xmlns:a16="http://schemas.microsoft.com/office/drawing/2014/main" val="3789717619"/>
-                    </a:ext>
-                  </a:extLst>
-                </a:gridCol>
-                <a:gridCol w="902326">
-                  <a:extLst>
-                    <a:ext uri="{9D8B030D-6E8A-4147-A177-3AD203B41FA5}">
-                      <a16:colId xmlns:a16="http://schemas.microsoft.com/office/drawing/2014/main" val="2607839798"/>
-                    </a:ext>
-                  </a:extLst>
-                </a:gridCol>
-                <a:gridCol w="902326">
-                  <a:extLst>
-                    <a:ext uri="{9D8B030D-6E8A-4147-A177-3AD203B41FA5}">
-                      <a16:colId xmlns:a16="http://schemas.microsoft.com/office/drawing/2014/main" val="1769144258"/>
-                    </a:ext>
-                  </a:extLst>
-                </a:gridCol>
-                <a:gridCol w="902326">
-                  <a:extLst>
-                    <a:ext uri="{9D8B030D-6E8A-4147-A177-3AD203B41FA5}">
-                      <a16:colId xmlns:a16="http://schemas.microsoft.com/office/drawing/2014/main" val="1537907298"/>
-                    </a:ext>
-                  </a:extLst>
-                </a:gridCol>
-                <a:gridCol w="902326">
-                  <a:extLst>
-                    <a:ext uri="{9D8B030D-6E8A-4147-A177-3AD203B41FA5}">
-                      <a16:colId xmlns:a16="http://schemas.microsoft.com/office/drawing/2014/main" val="1920672763"/>
-                    </a:ext>
-                  </a:extLst>
-                </a:gridCol>
-                <a:gridCol w="902326">
-                  <a:extLst>
-                    <a:ext uri="{9D8B030D-6E8A-4147-A177-3AD203B41FA5}">
-                      <a16:colId xmlns:a16="http://schemas.microsoft.com/office/drawing/2014/main" val="1217148694"/>
-                    </a:ext>
-                  </a:extLst>
-                </a:gridCol>
-                <a:gridCol w="902326">
-                  <a:extLst>
-                    <a:ext uri="{9D8B030D-6E8A-4147-A177-3AD203B41FA5}">
-                      <a16:colId xmlns:a16="http://schemas.microsoft.com/office/drawing/2014/main" val="247395267"/>
-                    </a:ext>
-                  </a:extLst>
-                </a:gridCol>
-                <a:gridCol w="902326">
-                  <a:extLst>
-                    <a:ext uri="{9D8B030D-6E8A-4147-A177-3AD203B41FA5}">
-                      <a16:colId xmlns:a16="http://schemas.microsoft.com/office/drawing/2014/main" val="1231269635"/>
-                    </a:ext>
-                  </a:extLst>
-                </a:gridCol>
-                <a:gridCol w="902326">
-                  <a:extLst>
-                    <a:ext uri="{9D8B030D-6E8A-4147-A177-3AD203B41FA5}">
-                      <a16:colId xmlns:a16="http://schemas.microsoft.com/office/drawing/2014/main" val="3587985154"/>
-                    </a:ext>
-                  </a:extLst>
-                </a:gridCol>
-                <a:gridCol w="902326">
-                  <a:extLst>
-                    <a:ext uri="{9D8B030D-6E8A-4147-A177-3AD203B41FA5}">
-                      <a16:colId xmlns:a16="http://schemas.microsoft.com/office/drawing/2014/main" val="3023193756"/>
-                    </a:ext>
-                  </a:extLst>
-                </a:gridCol>
-                <a:gridCol w="902326">
-                  <a:extLst>
-                    <a:ext uri="{9D8B030D-6E8A-4147-A177-3AD203B41FA5}">
-                      <a16:colId xmlns:a16="http://schemas.microsoft.com/office/drawing/2014/main" val="1420336204"/>
-                    </a:ext>
-                  </a:extLst>
-                </a:gridCol>
-              </a:tblGrid>
-              <a:tr h="585216">
-                <a:tc gridSpan="3">
-                  <a:txBody>
-                    <a:bodyPr/>
-                    <a:lstStyle/>
-                    <a:p>
-                      <a:pPr algn="ctr"/>
-                      <a:r>
-                        <a:rPr lang="en-US" dirty="0"/>
-                        <a:t>Q1</a:t>
-                      </a:r>
-                    </a:p>
-                  </a:txBody>
-                  <a:tcPr anchor="ctr">
-                    <a:lnL w="12700" cmpd="sng">
-                      <a:noFill/>
-                    </a:lnL>
-                    <a:lnR w="12700" cmpd="sng">
-                      <a:noFill/>
-                    </a:lnR>
-                    <a:lnT w="12700" cmpd="sng">
-                      <a:noFill/>
-                    </a:lnT>
-                    <a:lnB w="38100" cmpd="sng">
-                      <a:noFill/>
-                    </a:lnB>
-                    <a:lnTlToBr w="12700" cmpd="sng">
-                      <a:noFill/>
-                      <a:prstDash val="solid"/>
-                    </a:lnTlToBr>
-                    <a:lnBlToTr w="12700" cmpd="sng">
-                      <a:noFill/>
-                      <a:prstDash val="solid"/>
-                    </a:lnBlToTr>
-                    <a:noFill/>
-                  </a:tcPr>
-                </a:tc>
-                <a:tc hMerge="1">
-                  <a:txBody>
-                    <a:bodyPr/>
-                    <a:lstStyle/>
-                    <a:p>
-                      <a:endParaRPr lang="en-US" dirty="0"/>
-                    </a:p>
-                  </a:txBody>
-                  <a:tcPr/>
-                </a:tc>
-                <a:tc hMerge="1">
-                  <a:txBody>
-                    <a:bodyPr/>
-                    <a:lstStyle/>
-                    <a:p>
-                      <a:endParaRPr lang="en-US" dirty="0"/>
-                    </a:p>
-                  </a:txBody>
-                  <a:tcPr/>
-                </a:tc>
-                <a:tc gridSpan="3">
-                  <a:txBody>
-                    <a:bodyPr/>
-                    <a:lstStyle/>
-                    <a:p>
-                      <a:pPr algn="ctr"/>
-                      <a:r>
-                        <a:rPr lang="en-US" dirty="0"/>
-                        <a:t>Q2</a:t>
-                      </a:r>
-                    </a:p>
-                  </a:txBody>
-                  <a:tcPr anchor="ctr">
-                    <a:lnL w="12700" cmpd="sng">
-                      <a:noFill/>
-                    </a:lnL>
-                    <a:lnR w="12700" cmpd="sng">
-                      <a:noFill/>
-                    </a:lnR>
-                    <a:lnT w="12700" cmpd="sng">
-                      <a:noFill/>
-                    </a:lnT>
-                    <a:lnB w="38100" cmpd="sng">
-                      <a:noFill/>
-                    </a:lnB>
-                    <a:lnTlToBr w="12700" cmpd="sng">
-                      <a:noFill/>
-                      <a:prstDash val="solid"/>
-                    </a:lnTlToBr>
-                    <a:lnBlToTr w="12700" cmpd="sng">
-                      <a:noFill/>
-                      <a:prstDash val="solid"/>
-                    </a:lnBlToTr>
-                    <a:noFill/>
-                  </a:tcPr>
-                </a:tc>
-                <a:tc hMerge="1">
-                  <a:txBody>
-                    <a:bodyPr/>
-                    <a:lstStyle/>
-                    <a:p>
-                      <a:endParaRPr lang="en-US" dirty="0"/>
-                    </a:p>
-                  </a:txBody>
-                  <a:tcPr/>
-                </a:tc>
-                <a:tc hMerge="1">
-                  <a:txBody>
-                    <a:bodyPr/>
-                    <a:lstStyle/>
-                    <a:p>
-                      <a:endParaRPr lang="en-US" dirty="0"/>
-                    </a:p>
-                  </a:txBody>
-                  <a:tcPr/>
-                </a:tc>
-                <a:tc gridSpan="3">
-                  <a:txBody>
-                    <a:bodyPr/>
-                    <a:lstStyle/>
-                    <a:p>
-                      <a:pPr algn="ctr"/>
-                      <a:r>
-                        <a:rPr lang="en-US" dirty="0"/>
-                        <a:t>Q3</a:t>
-                      </a:r>
-                    </a:p>
-                  </a:txBody>
-                  <a:tcPr anchor="ctr">
-                    <a:lnL w="12700" cmpd="sng">
-                      <a:noFill/>
-                    </a:lnL>
-                    <a:lnR w="12700" cmpd="sng">
-                      <a:noFill/>
-                    </a:lnR>
-                    <a:lnT w="12700" cmpd="sng">
-                      <a:noFill/>
-                    </a:lnT>
-                    <a:lnB w="38100" cmpd="sng">
-                      <a:noFill/>
-                    </a:lnB>
-                    <a:lnTlToBr w="12700" cmpd="sng">
-                      <a:noFill/>
-                      <a:prstDash val="solid"/>
-                    </a:lnTlToBr>
-                    <a:lnBlToTr w="12700" cmpd="sng">
-                      <a:noFill/>
-                      <a:prstDash val="solid"/>
-                    </a:lnBlToTr>
-                    <a:noFill/>
-                  </a:tcPr>
-                </a:tc>
-                <a:tc hMerge="1">
-                  <a:txBody>
-                    <a:bodyPr/>
-                    <a:lstStyle/>
-                    <a:p>
-                      <a:endParaRPr lang="en-US" dirty="0"/>
-                    </a:p>
-                  </a:txBody>
-                  <a:tcPr/>
-                </a:tc>
-                <a:tc hMerge="1">
-                  <a:txBody>
-                    <a:bodyPr/>
-                    <a:lstStyle/>
-                    <a:p>
-                      <a:endParaRPr lang="en-US" dirty="0"/>
-                    </a:p>
-                  </a:txBody>
-                  <a:tcPr/>
-                </a:tc>
-                <a:tc gridSpan="3">
-                  <a:txBody>
-                    <a:bodyPr/>
-                    <a:lstStyle/>
-                    <a:p>
-                      <a:pPr algn="ctr"/>
-                      <a:r>
-                        <a:rPr lang="en-US" dirty="0"/>
-                        <a:t>Q4</a:t>
-                      </a:r>
-                    </a:p>
-                  </a:txBody>
-                  <a:tcPr anchor="ctr">
-                    <a:lnL w="12700" cmpd="sng">
-                      <a:noFill/>
-                    </a:lnL>
-                    <a:lnR w="12700" cmpd="sng">
-                      <a:noFill/>
-                    </a:lnR>
-                    <a:lnT w="12700" cmpd="sng">
-                      <a:noFill/>
-                    </a:lnT>
-                    <a:lnB w="38100" cmpd="sng">
-                      <a:noFill/>
-                    </a:lnB>
-                    <a:lnTlToBr w="12700" cmpd="sng">
-                      <a:noFill/>
-                      <a:prstDash val="solid"/>
-                    </a:lnTlToBr>
-                    <a:lnBlToTr w="12700" cmpd="sng">
-                      <a:noFill/>
-                      <a:prstDash val="solid"/>
-                    </a:lnBlToTr>
-                    <a:noFill/>
-                  </a:tcPr>
-                </a:tc>
-                <a:tc hMerge="1">
-                  <a:txBody>
-                    <a:bodyPr/>
-                    <a:lstStyle/>
-                    <a:p>
-                      <a:endParaRPr lang="en-US" dirty="0"/>
-                    </a:p>
-                  </a:txBody>
-                  <a:tcPr/>
-                </a:tc>
-                <a:tc hMerge="1">
-                  <a:txBody>
-                    <a:bodyPr/>
-                    <a:lstStyle/>
-                    <a:p>
-                      <a:endParaRPr lang="en-US" dirty="0"/>
-                    </a:p>
-                  </a:txBody>
-                  <a:tcPr/>
-                </a:tc>
-                <a:extLst>
-                  <a:ext uri="{0D108BD9-81ED-4DB2-BD59-A6C34878D82A}">
-                    <a16:rowId xmlns:a16="http://schemas.microsoft.com/office/drawing/2014/main" val="3925291448"/>
-                  </a:ext>
-                </a:extLst>
-              </a:tr>
-              <a:tr h="640080">
-                <a:tc>
-                  <a:txBody>
-                    <a:bodyPr/>
-                    <a:lstStyle/>
-                    <a:p>
-                      <a:pPr algn="ctr"/>
-                      <a:r>
-                        <a:rPr lang="en-US" sz="1800" spc="300" dirty="0">
-                          <a:solidFill>
-                            <a:schemeClr val="tx1"/>
-                          </a:solidFill>
-                        </a:rPr>
-                        <a:t>JUL</a:t>
-                      </a:r>
-                    </a:p>
-                  </a:txBody>
-                  <a:tcPr anchor="ctr">
-                    <a:lnL w="12700" cmpd="sng">
-                      <a:noFill/>
-                    </a:lnL>
-                    <a:lnR w="12700" cmpd="sng">
-                      <a:noFill/>
-                    </a:lnR>
-                    <a:lnT w="38100" cmpd="sng">
-                      <a:noFill/>
-                    </a:lnT>
-                    <a:lnB w="3175" cap="flat" cmpd="sng" algn="ctr">
-                      <a:solidFill>
-                        <a:schemeClr val="bg2">
-                          <a:lumMod val="50000"/>
-                        </a:schemeClr>
-                      </a:solidFill>
-                      <a:prstDash val="solid"/>
-                      <a:round/>
-                      <a:headEnd type="none" w="med" len="med"/>
-                      <a:tailEnd type="none" w="med" len="med"/>
-                    </a:lnB>
-                    <a:lnTlToBr w="12700" cmpd="sng">
-                      <a:noFill/>
-                      <a:prstDash val="solid"/>
-                    </a:lnTlToBr>
-                    <a:lnBlToTr w="12700" cmpd="sng">
-                      <a:noFill/>
-                      <a:prstDash val="solid"/>
-                    </a:lnBlToTr>
-                    <a:noFill/>
-                  </a:tcPr>
-                </a:tc>
-                <a:tc>
-                  <a:txBody>
-                    <a:bodyPr/>
-                    <a:lstStyle/>
-                    <a:p>
-                      <a:pPr algn="ctr"/>
-                      <a:r>
-                        <a:rPr lang="en-US" sz="1800" spc="300" dirty="0">
-                          <a:solidFill>
-                            <a:schemeClr val="tx1"/>
-                          </a:solidFill>
-                        </a:rPr>
-                        <a:t>AUG</a:t>
-                      </a:r>
-                    </a:p>
-                  </a:txBody>
-                  <a:tcPr anchor="ctr">
-                    <a:lnL w="12700" cmpd="sng">
-                      <a:noFill/>
-                    </a:lnL>
-                    <a:lnR w="12700" cmpd="sng">
-                      <a:noFill/>
-                    </a:lnR>
-                    <a:lnT w="38100" cmpd="sng">
-                      <a:noFill/>
-                    </a:lnT>
-                    <a:lnB w="3175" cap="flat" cmpd="sng" algn="ctr">
-                      <a:solidFill>
-                        <a:schemeClr val="bg2">
-                          <a:lumMod val="50000"/>
-                        </a:schemeClr>
-                      </a:solidFill>
-                      <a:prstDash val="solid"/>
-                      <a:round/>
-                      <a:headEnd type="none" w="med" len="med"/>
-                      <a:tailEnd type="none" w="med" len="med"/>
-                    </a:lnB>
-                    <a:lnTlToBr w="12700" cmpd="sng">
-                      <a:noFill/>
-                      <a:prstDash val="solid"/>
-                    </a:lnTlToBr>
-                    <a:lnBlToTr w="12700" cmpd="sng">
-                      <a:noFill/>
-                      <a:prstDash val="solid"/>
-                    </a:lnBlToTr>
-                    <a:noFill/>
-                  </a:tcPr>
-                </a:tc>
-                <a:tc>
-                  <a:txBody>
-                    <a:bodyPr/>
-                    <a:lstStyle/>
-                    <a:p>
-                      <a:pPr algn="ctr"/>
-                      <a:r>
-                        <a:rPr lang="en-US" sz="1800" spc="300" dirty="0">
-                          <a:solidFill>
-                            <a:schemeClr val="tx1"/>
-                          </a:solidFill>
-                        </a:rPr>
-                        <a:t>SEP</a:t>
-                      </a:r>
-                    </a:p>
-                  </a:txBody>
-                  <a:tcPr anchor="ctr">
-                    <a:lnL w="12700" cmpd="sng">
-                      <a:noFill/>
-                    </a:lnL>
-                    <a:lnR w="3175" cap="flat" cmpd="sng" algn="ctr">
-                      <a:solidFill>
-                        <a:schemeClr val="bg2">
-                          <a:lumMod val="50000"/>
-                        </a:schemeClr>
-                      </a:solidFill>
-                      <a:prstDash val="solid"/>
-                      <a:round/>
-                      <a:headEnd type="none" w="med" len="med"/>
-                      <a:tailEnd type="none" w="med" len="med"/>
-                    </a:lnR>
-                    <a:lnT w="38100" cmpd="sng">
-                      <a:noFill/>
-                    </a:lnT>
-                    <a:lnB w="3175" cap="flat" cmpd="sng" algn="ctr">
-                      <a:solidFill>
-                        <a:schemeClr val="bg2">
-                          <a:lumMod val="50000"/>
-                        </a:schemeClr>
-                      </a:solidFill>
-                      <a:prstDash val="solid"/>
-                      <a:round/>
-                      <a:headEnd type="none" w="med" len="med"/>
-                      <a:tailEnd type="none" w="med" len="med"/>
-                    </a:lnB>
-                    <a:lnTlToBr w="12700" cmpd="sng">
-                      <a:noFill/>
-                      <a:prstDash val="solid"/>
-                    </a:lnTlToBr>
-                    <a:lnBlToTr w="12700" cmpd="sng">
-                      <a:noFill/>
-                      <a:prstDash val="solid"/>
-                    </a:lnBlToTr>
-                    <a:noFill/>
-                  </a:tcPr>
-                </a:tc>
-                <a:tc>
-                  <a:txBody>
-                    <a:bodyPr/>
-                    <a:lstStyle/>
-                    <a:p>
-                      <a:pPr algn="ctr"/>
-                      <a:r>
-                        <a:rPr lang="en-US" sz="1800" spc="300" dirty="0">
-                          <a:solidFill>
-                            <a:schemeClr val="tx1"/>
-                          </a:solidFill>
-                        </a:rPr>
-                        <a:t>OCT</a:t>
-                      </a:r>
-                    </a:p>
-                  </a:txBody>
-                  <a:tcPr anchor="ctr">
-                    <a:lnL w="3175" cap="flat" cmpd="sng" algn="ctr">
-                      <a:solidFill>
-                        <a:schemeClr val="bg2">
-                          <a:lumMod val="50000"/>
-                        </a:schemeClr>
-                      </a:solidFill>
-                      <a:prstDash val="solid"/>
-                      <a:round/>
-                      <a:headEnd type="none" w="med" len="med"/>
-                      <a:tailEnd type="none" w="med" len="med"/>
-                    </a:lnL>
-                    <a:lnR w="12700" cmpd="sng">
-                      <a:noFill/>
-                    </a:lnR>
-                    <a:lnT w="38100" cmpd="sng">
-                      <a:noFill/>
-                    </a:lnT>
-                    <a:lnB w="3175" cap="flat" cmpd="sng" algn="ctr">
-                      <a:solidFill>
-                        <a:schemeClr val="bg2">
-                          <a:lumMod val="50000"/>
-                        </a:schemeClr>
-                      </a:solidFill>
-                      <a:prstDash val="solid"/>
-                      <a:round/>
-                      <a:headEnd type="none" w="med" len="med"/>
-                      <a:tailEnd type="none" w="med" len="med"/>
-                    </a:lnB>
-                    <a:lnTlToBr w="12700" cmpd="sng">
-                      <a:noFill/>
-                      <a:prstDash val="solid"/>
-                    </a:lnTlToBr>
-                    <a:lnBlToTr w="12700" cmpd="sng">
-                      <a:noFill/>
-                      <a:prstDash val="solid"/>
-                    </a:lnBlToTr>
-                    <a:noFill/>
-                  </a:tcPr>
-                </a:tc>
-                <a:tc>
-                  <a:txBody>
-                    <a:bodyPr/>
-                    <a:lstStyle/>
-                    <a:p>
-                      <a:pPr algn="ctr"/>
-                      <a:r>
-                        <a:rPr lang="en-US" sz="1800" spc="300" dirty="0">
-                          <a:solidFill>
-                            <a:schemeClr val="tx1"/>
-                          </a:solidFill>
-                        </a:rPr>
-                        <a:t>NOV</a:t>
-                      </a:r>
-                    </a:p>
-                  </a:txBody>
-                  <a:tcPr anchor="ctr">
-                    <a:lnL w="12700" cmpd="sng">
-                      <a:noFill/>
-                    </a:lnL>
-                    <a:lnR w="12700" cmpd="sng">
-                      <a:noFill/>
-                    </a:lnR>
-                    <a:lnT w="38100" cmpd="sng">
-                      <a:noFill/>
-                    </a:lnT>
-                    <a:lnB w="3175" cap="flat" cmpd="sng" algn="ctr">
-                      <a:solidFill>
-                        <a:schemeClr val="bg2">
-                          <a:lumMod val="50000"/>
-                        </a:schemeClr>
-                      </a:solidFill>
-                      <a:prstDash val="solid"/>
-                      <a:round/>
-                      <a:headEnd type="none" w="med" len="med"/>
-                      <a:tailEnd type="none" w="med" len="med"/>
-                    </a:lnB>
-                    <a:lnTlToBr w="12700" cmpd="sng">
-                      <a:noFill/>
-                      <a:prstDash val="solid"/>
-                    </a:lnTlToBr>
-                    <a:lnBlToTr w="12700" cmpd="sng">
-                      <a:noFill/>
-                      <a:prstDash val="solid"/>
-                    </a:lnBlToTr>
-                    <a:noFill/>
-                  </a:tcPr>
-                </a:tc>
-                <a:tc>
-                  <a:txBody>
-                    <a:bodyPr/>
-                    <a:lstStyle/>
-                    <a:p>
-                      <a:pPr algn="ctr"/>
-                      <a:r>
-                        <a:rPr lang="en-US" sz="1800" spc="300" dirty="0">
-                          <a:solidFill>
-                            <a:schemeClr val="tx1"/>
-                          </a:solidFill>
-                        </a:rPr>
-                        <a:t>DEC</a:t>
-                      </a:r>
-                    </a:p>
-                  </a:txBody>
-                  <a:tcPr anchor="ctr">
-                    <a:lnL w="12700" cmpd="sng">
-                      <a:noFill/>
-                    </a:lnL>
-                    <a:lnR w="3175" cap="flat" cmpd="sng" algn="ctr">
-                      <a:solidFill>
-                        <a:schemeClr val="bg2">
-                          <a:lumMod val="50000"/>
-                        </a:schemeClr>
-                      </a:solidFill>
-                      <a:prstDash val="solid"/>
-                      <a:round/>
-                      <a:headEnd type="none" w="med" len="med"/>
-                      <a:tailEnd type="none" w="med" len="med"/>
-                    </a:lnR>
-                    <a:lnT w="38100" cmpd="sng">
-                      <a:noFill/>
-                    </a:lnT>
-                    <a:lnB w="3175" cap="flat" cmpd="sng" algn="ctr">
-                      <a:solidFill>
-                        <a:schemeClr val="bg2">
-                          <a:lumMod val="50000"/>
-                        </a:schemeClr>
-                      </a:solidFill>
-                      <a:prstDash val="solid"/>
-                      <a:round/>
-                      <a:headEnd type="none" w="med" len="med"/>
-                      <a:tailEnd type="none" w="med" len="med"/>
-                    </a:lnB>
-                    <a:lnTlToBr w="12700" cmpd="sng">
-                      <a:noFill/>
-                      <a:prstDash val="solid"/>
-                    </a:lnTlToBr>
-                    <a:lnBlToTr w="12700" cmpd="sng">
-                      <a:noFill/>
-                      <a:prstDash val="solid"/>
-                    </a:lnBlToTr>
-                    <a:noFill/>
-                  </a:tcPr>
-                </a:tc>
-                <a:tc>
-                  <a:txBody>
-                    <a:bodyPr/>
-                    <a:lstStyle/>
-                    <a:p>
-                      <a:pPr algn="ctr"/>
-                      <a:r>
-                        <a:rPr lang="en-US" sz="1800" spc="300" dirty="0">
-                          <a:solidFill>
-                            <a:schemeClr val="tx1"/>
-                          </a:solidFill>
-                        </a:rPr>
-                        <a:t>JAN</a:t>
-                      </a:r>
-                    </a:p>
-                  </a:txBody>
-                  <a:tcPr anchor="ctr">
-                    <a:lnL w="3175" cap="flat" cmpd="sng" algn="ctr">
-                      <a:solidFill>
-                        <a:schemeClr val="bg2">
-                          <a:lumMod val="50000"/>
-                        </a:schemeClr>
-                      </a:solidFill>
-                      <a:prstDash val="solid"/>
-                      <a:round/>
-                      <a:headEnd type="none" w="med" len="med"/>
-                      <a:tailEnd type="none" w="med" len="med"/>
-                    </a:lnL>
-                    <a:lnR w="12700" cmpd="sng">
-                      <a:noFill/>
-                    </a:lnR>
-                    <a:lnT w="38100" cmpd="sng">
-                      <a:noFill/>
-                    </a:lnT>
-                    <a:lnB w="3175" cap="flat" cmpd="sng" algn="ctr">
-                      <a:solidFill>
-                        <a:schemeClr val="bg2">
-                          <a:lumMod val="50000"/>
-                        </a:schemeClr>
-                      </a:solidFill>
-                      <a:prstDash val="solid"/>
-                      <a:round/>
-                      <a:headEnd type="none" w="med" len="med"/>
-                      <a:tailEnd type="none" w="med" len="med"/>
-                    </a:lnB>
-                    <a:lnTlToBr w="12700" cmpd="sng">
-                      <a:noFill/>
-                      <a:prstDash val="solid"/>
-                    </a:lnTlToBr>
-                    <a:lnBlToTr w="12700" cmpd="sng">
-                      <a:noFill/>
-                      <a:prstDash val="solid"/>
-                    </a:lnBlToTr>
-                    <a:noFill/>
-                  </a:tcPr>
-                </a:tc>
-                <a:tc>
-                  <a:txBody>
-                    <a:bodyPr/>
-                    <a:lstStyle/>
-                    <a:p>
-                      <a:pPr algn="ctr"/>
-                      <a:r>
-                        <a:rPr lang="en-US" sz="1800" spc="300" dirty="0">
-                          <a:solidFill>
-                            <a:schemeClr val="tx1"/>
-                          </a:solidFill>
-                        </a:rPr>
-                        <a:t>FEB</a:t>
-                      </a:r>
-                    </a:p>
-                  </a:txBody>
-                  <a:tcPr anchor="ctr">
-                    <a:lnL w="12700" cmpd="sng">
-                      <a:noFill/>
-                    </a:lnL>
-                    <a:lnR w="12700" cmpd="sng">
-                      <a:noFill/>
-                    </a:lnR>
-                    <a:lnT w="38100" cmpd="sng">
-                      <a:noFill/>
-                    </a:lnT>
-                    <a:lnB w="3175" cap="flat" cmpd="sng" algn="ctr">
-                      <a:solidFill>
-                        <a:schemeClr val="bg2">
-                          <a:lumMod val="50000"/>
-                        </a:schemeClr>
-                      </a:solidFill>
-                      <a:prstDash val="solid"/>
-                      <a:round/>
-                      <a:headEnd type="none" w="med" len="med"/>
-                      <a:tailEnd type="none" w="med" len="med"/>
-                    </a:lnB>
-                    <a:lnTlToBr w="12700" cmpd="sng">
-                      <a:noFill/>
-                      <a:prstDash val="solid"/>
-                    </a:lnTlToBr>
-                    <a:lnBlToTr w="12700" cmpd="sng">
-                      <a:noFill/>
-                      <a:prstDash val="solid"/>
-                    </a:lnBlToTr>
-                    <a:noFill/>
-                  </a:tcPr>
-                </a:tc>
-                <a:tc>
-                  <a:txBody>
-                    <a:bodyPr/>
-                    <a:lstStyle/>
-                    <a:p>
-                      <a:pPr algn="ctr"/>
-                      <a:r>
-                        <a:rPr lang="en-US" sz="1800" spc="300" dirty="0">
-                          <a:solidFill>
-                            <a:schemeClr val="tx1"/>
-                          </a:solidFill>
-                        </a:rPr>
-                        <a:t>MAR</a:t>
-                      </a:r>
-                    </a:p>
-                  </a:txBody>
-                  <a:tcPr anchor="ctr">
-                    <a:lnL w="12700" cmpd="sng">
-                      <a:noFill/>
-                    </a:lnL>
-                    <a:lnR w="3175" cap="flat" cmpd="sng" algn="ctr">
-                      <a:solidFill>
-                        <a:schemeClr val="bg2">
-                          <a:lumMod val="50000"/>
-                        </a:schemeClr>
-                      </a:solidFill>
-                      <a:prstDash val="solid"/>
-                      <a:round/>
-                      <a:headEnd type="none" w="med" len="med"/>
-                      <a:tailEnd type="none" w="med" len="med"/>
-                    </a:lnR>
-                    <a:lnT w="38100" cmpd="sng">
-                      <a:noFill/>
-                    </a:lnT>
-                    <a:lnB w="3175" cap="flat" cmpd="sng" algn="ctr">
-                      <a:solidFill>
-                        <a:schemeClr val="bg2">
-                          <a:lumMod val="50000"/>
-                        </a:schemeClr>
-                      </a:solidFill>
-                      <a:prstDash val="solid"/>
-                      <a:round/>
-                      <a:headEnd type="none" w="med" len="med"/>
-                      <a:tailEnd type="none" w="med" len="med"/>
-                    </a:lnB>
-                    <a:lnTlToBr w="12700" cmpd="sng">
-                      <a:noFill/>
-                      <a:prstDash val="solid"/>
-                    </a:lnTlToBr>
-                    <a:lnBlToTr w="12700" cmpd="sng">
-                      <a:noFill/>
-                      <a:prstDash val="solid"/>
-                    </a:lnBlToTr>
-                    <a:noFill/>
-                  </a:tcPr>
-                </a:tc>
-                <a:tc>
-                  <a:txBody>
-                    <a:bodyPr/>
-                    <a:lstStyle/>
-                    <a:p>
-                      <a:pPr algn="ctr"/>
-                      <a:r>
-                        <a:rPr lang="en-US" sz="1800" spc="300" dirty="0">
-                          <a:solidFill>
-                            <a:schemeClr val="tx1"/>
-                          </a:solidFill>
-                        </a:rPr>
-                        <a:t>APR</a:t>
-                      </a:r>
-                    </a:p>
-                  </a:txBody>
-                  <a:tcPr anchor="ctr">
-                    <a:lnL w="3175" cap="flat" cmpd="sng" algn="ctr">
-                      <a:solidFill>
-                        <a:schemeClr val="bg2">
-                          <a:lumMod val="50000"/>
-                        </a:schemeClr>
-                      </a:solidFill>
-                      <a:prstDash val="solid"/>
-                      <a:round/>
-                      <a:headEnd type="none" w="med" len="med"/>
-                      <a:tailEnd type="none" w="med" len="med"/>
-                    </a:lnL>
-                    <a:lnR w="12700" cmpd="sng">
-                      <a:noFill/>
-                    </a:lnR>
-                    <a:lnT w="38100" cmpd="sng">
-                      <a:noFill/>
-                    </a:lnT>
-                    <a:lnB w="3175" cap="flat" cmpd="sng" algn="ctr">
-                      <a:solidFill>
-                        <a:schemeClr val="bg2">
-                          <a:lumMod val="50000"/>
-                        </a:schemeClr>
-                      </a:solidFill>
-                      <a:prstDash val="solid"/>
-                      <a:round/>
-                      <a:headEnd type="none" w="med" len="med"/>
-                      <a:tailEnd type="none" w="med" len="med"/>
-                    </a:lnB>
-                    <a:lnTlToBr w="12700" cmpd="sng">
-                      <a:noFill/>
-                      <a:prstDash val="solid"/>
-                    </a:lnTlToBr>
-                    <a:lnBlToTr w="12700" cmpd="sng">
-                      <a:noFill/>
-                      <a:prstDash val="solid"/>
-                    </a:lnBlToTr>
-                    <a:noFill/>
-                  </a:tcPr>
-                </a:tc>
-                <a:tc>
-                  <a:txBody>
-                    <a:bodyPr/>
-                    <a:lstStyle/>
-                    <a:p>
-                      <a:pPr algn="ctr"/>
-                      <a:r>
-                        <a:rPr lang="en-US" sz="1800" spc="300" dirty="0">
-                          <a:solidFill>
-                            <a:schemeClr val="tx1"/>
-                          </a:solidFill>
-                        </a:rPr>
-                        <a:t>MAY</a:t>
-                      </a:r>
-                    </a:p>
-                  </a:txBody>
-                  <a:tcPr anchor="ctr">
-                    <a:lnL w="12700" cmpd="sng">
-                      <a:noFill/>
-                    </a:lnL>
-                    <a:lnR w="12700" cmpd="sng">
-                      <a:noFill/>
-                    </a:lnR>
-                    <a:lnT w="38100" cmpd="sng">
-                      <a:noFill/>
-                    </a:lnT>
-                    <a:lnB w="3175" cap="flat" cmpd="sng" algn="ctr">
-                      <a:solidFill>
-                        <a:schemeClr val="bg2">
-                          <a:lumMod val="50000"/>
-                        </a:schemeClr>
-                      </a:solidFill>
-                      <a:prstDash val="solid"/>
-                      <a:round/>
-                      <a:headEnd type="none" w="med" len="med"/>
-                      <a:tailEnd type="none" w="med" len="med"/>
-                    </a:lnB>
-                    <a:lnTlToBr w="12700" cmpd="sng">
-                      <a:noFill/>
-                      <a:prstDash val="solid"/>
-                    </a:lnTlToBr>
-                    <a:lnBlToTr w="12700" cmpd="sng">
-                      <a:noFill/>
-                      <a:prstDash val="solid"/>
-                    </a:lnBlToTr>
-                    <a:noFill/>
-                  </a:tcPr>
-                </a:tc>
-                <a:tc>
-                  <a:txBody>
-                    <a:bodyPr/>
-                    <a:lstStyle/>
-                    <a:p>
-                      <a:pPr algn="ctr"/>
-                      <a:r>
-                        <a:rPr lang="en-US" sz="1800" spc="300" dirty="0">
-                          <a:solidFill>
-                            <a:schemeClr val="tx1"/>
-                          </a:solidFill>
-                        </a:rPr>
-                        <a:t>JUN</a:t>
-                      </a:r>
-                    </a:p>
-                  </a:txBody>
-                  <a:tcPr anchor="ctr">
-                    <a:lnL w="12700" cmpd="sng">
-                      <a:noFill/>
-                    </a:lnL>
-                    <a:lnR w="12700" cmpd="sng">
-                      <a:noFill/>
-                    </a:lnR>
-                    <a:lnT w="38100" cmpd="sng">
-                      <a:noFill/>
-                    </a:lnT>
-                    <a:lnB w="3175" cap="flat" cmpd="sng" algn="ctr">
-                      <a:solidFill>
-                        <a:schemeClr val="bg2">
-                          <a:lumMod val="50000"/>
-                        </a:schemeClr>
-                      </a:solidFill>
-                      <a:prstDash val="solid"/>
-                      <a:round/>
-                      <a:headEnd type="none" w="med" len="med"/>
-                      <a:tailEnd type="none" w="med" len="med"/>
-                    </a:lnB>
-                    <a:lnTlToBr w="12700" cmpd="sng">
-                      <a:noFill/>
-                      <a:prstDash val="solid"/>
-                    </a:lnTlToBr>
-                    <a:lnBlToTr w="12700" cmpd="sng">
-                      <a:noFill/>
-                      <a:prstDash val="solid"/>
-                    </a:lnBlToTr>
-                    <a:noFill/>
-                  </a:tcPr>
-                </a:tc>
-                <a:extLst>
-                  <a:ext uri="{0D108BD9-81ED-4DB2-BD59-A6C34878D82A}">
-                    <a16:rowId xmlns:a16="http://schemas.microsoft.com/office/drawing/2014/main" val="939761096"/>
-                  </a:ext>
-                </a:extLst>
-              </a:tr>
-              <a:tr h="1645920">
-                <a:tc gridSpan="3">
-                  <a:txBody>
-                    <a:bodyPr/>
-                    <a:lstStyle/>
-                    <a:p>
-                      <a:pPr algn="ctr">
-                        <a:lnSpc>
-                          <a:spcPct val="150000"/>
-                        </a:lnSpc>
-                      </a:pPr>
-                      <a:r>
-                        <a:rPr lang="en-US" sz="1600" spc="300" dirty="0">
-                          <a:solidFill>
-                            <a:schemeClr val="tx1"/>
-                          </a:solidFill>
-                          <a:cs typeface="Biome Light" panose="020B0303030204020804" pitchFamily="34" charset="0"/>
-                        </a:rPr>
-                        <a:t>PRODUCT LAUNCH</a:t>
-                      </a:r>
-                    </a:p>
-                    <a:p>
-                      <a:pPr algn="ctr">
-                        <a:lnSpc>
-                          <a:spcPct val="100000"/>
-                        </a:lnSpc>
-                      </a:pPr>
-                      <a:r>
-                        <a:rPr lang="en-US" sz="1400" b="0" i="0" u="none" strike="noStrike" dirty="0">
-                          <a:solidFill>
-                            <a:schemeClr val="tx1"/>
-                          </a:solidFill>
-                          <a:effectLst/>
-                          <a:cs typeface="Biome Light" panose="020B0303030204020804" pitchFamily="34" charset="0"/>
-                        </a:rPr>
-                        <a:t>Lorem ipsum dolor sit amet, consectetur adipiscing elit. Mauris vitae lorem id leo accumsan.</a:t>
-                      </a:r>
-                      <a:endParaRPr lang="en-US" sz="1400" dirty="0">
-                        <a:solidFill>
-                          <a:schemeClr val="tx1"/>
-                        </a:solidFill>
-                        <a:cs typeface="Biome Light" panose="020B0303030204020804" pitchFamily="34" charset="0"/>
-                      </a:endParaRPr>
-                    </a:p>
-                  </a:txBody>
-                  <a:tcPr anchor="ctr">
-                    <a:lnL w="12700" cmpd="sng">
-                      <a:noFill/>
-                    </a:lnL>
-                    <a:lnR w="3175" cap="flat" cmpd="sng" algn="ctr">
-                      <a:solidFill>
-                        <a:schemeClr val="bg2">
-                          <a:lumMod val="50000"/>
-                        </a:schemeClr>
-                      </a:solidFill>
-                      <a:prstDash val="solid"/>
-                      <a:round/>
-                      <a:headEnd type="none" w="med" len="med"/>
-                      <a:tailEnd type="none" w="med" len="med"/>
-                    </a:lnR>
-                    <a:lnT w="3175" cap="flat" cmpd="sng" algn="ctr">
-                      <a:solidFill>
-                        <a:schemeClr val="bg2">
-                          <a:lumMod val="50000"/>
-                        </a:schemeClr>
-                      </a:solidFill>
-                      <a:prstDash val="solid"/>
-                      <a:round/>
-                      <a:headEnd type="none" w="med" len="med"/>
-                      <a:tailEnd type="none" w="med" len="med"/>
-                    </a:lnT>
-                    <a:lnB w="12700" cmpd="sng">
-                      <a:noFill/>
-                    </a:lnB>
-                    <a:lnTlToBr w="12700" cmpd="sng">
-                      <a:noFill/>
-                      <a:prstDash val="solid"/>
-                    </a:lnTlToBr>
-                    <a:lnBlToTr w="12700" cmpd="sng">
-                      <a:noFill/>
-                      <a:prstDash val="solid"/>
-                    </a:lnBlToTr>
-                    <a:noFill/>
-                  </a:tcPr>
-                </a:tc>
-                <a:tc hMerge="1">
-                  <a:txBody>
-                    <a:bodyPr/>
-                    <a:lstStyle/>
-                    <a:p>
-                      <a:endParaRPr lang="en-US" dirty="0"/>
-                    </a:p>
-                  </a:txBody>
-                  <a:tcPr/>
-                </a:tc>
-                <a:tc hMerge="1">
-                  <a:txBody>
-                    <a:bodyPr/>
-                    <a:lstStyle/>
-                    <a:p>
-                      <a:endParaRPr lang="en-US" dirty="0"/>
-                    </a:p>
-                  </a:txBody>
-                  <a:tcPr/>
-                </a:tc>
-                <a:tc gridSpan="3">
-                  <a:txBody>
-                    <a:bodyPr/>
-                    <a:lstStyle/>
-                    <a:p>
-                      <a:pPr algn="ctr">
-                        <a:lnSpc>
-                          <a:spcPct val="150000"/>
-                        </a:lnSpc>
-                      </a:pPr>
-                      <a:r>
-                        <a:rPr lang="en-US" sz="1600" spc="300" dirty="0">
-                          <a:solidFill>
-                            <a:schemeClr val="tx1"/>
-                          </a:solidFill>
-                          <a:cs typeface="Biome Light" panose="020B0303030204020804" pitchFamily="34" charset="0"/>
-                        </a:rPr>
-                        <a:t>PRODUCT LAUNCH</a:t>
-                      </a:r>
-                    </a:p>
-                    <a:p>
-                      <a:pPr algn="ctr">
-                        <a:lnSpc>
-                          <a:spcPct val="100000"/>
-                        </a:lnSpc>
-                      </a:pPr>
-                      <a:r>
-                        <a:rPr lang="en-US" sz="1400" b="0" i="0" u="none" strike="noStrike" dirty="0">
-                          <a:solidFill>
-                            <a:schemeClr val="tx1"/>
-                          </a:solidFill>
-                          <a:effectLst/>
-                          <a:cs typeface="Biome Light" panose="020B0303030204020804" pitchFamily="34" charset="0"/>
-                        </a:rPr>
-                        <a:t>Lorem ipsum dolor sit amet, consectetur adipiscing elit. Mauris vitae lorem id leo accumsan.</a:t>
-                      </a:r>
-                      <a:endParaRPr lang="en-US" sz="1400" dirty="0">
-                        <a:solidFill>
-                          <a:schemeClr val="tx1"/>
-                        </a:solidFill>
-                        <a:cs typeface="Biome Light" panose="020B0303030204020804" pitchFamily="34" charset="0"/>
-                      </a:endParaRPr>
-                    </a:p>
-                  </a:txBody>
-                  <a:tcPr anchor="ctr">
-                    <a:lnL w="3175" cap="flat" cmpd="sng" algn="ctr">
-                      <a:solidFill>
-                        <a:schemeClr val="bg2">
-                          <a:lumMod val="50000"/>
-                        </a:schemeClr>
-                      </a:solidFill>
-                      <a:prstDash val="solid"/>
-                      <a:round/>
-                      <a:headEnd type="none" w="med" len="med"/>
-                      <a:tailEnd type="none" w="med" len="med"/>
-                    </a:lnL>
-                    <a:lnR w="3175" cap="flat" cmpd="sng" algn="ctr">
-                      <a:solidFill>
-                        <a:schemeClr val="bg2">
-                          <a:lumMod val="50000"/>
-                        </a:schemeClr>
-                      </a:solidFill>
-                      <a:prstDash val="solid"/>
-                      <a:round/>
-                      <a:headEnd type="none" w="med" len="med"/>
-                      <a:tailEnd type="none" w="med" len="med"/>
-                    </a:lnR>
-                    <a:lnT w="3175" cap="flat" cmpd="sng" algn="ctr">
-                      <a:solidFill>
-                        <a:schemeClr val="bg2">
-                          <a:lumMod val="50000"/>
-                        </a:schemeClr>
-                      </a:solidFill>
-                      <a:prstDash val="solid"/>
-                      <a:round/>
-                      <a:headEnd type="none" w="med" len="med"/>
-                      <a:tailEnd type="none" w="med" len="med"/>
-                    </a:lnT>
-                    <a:lnB w="12700" cmpd="sng">
-                      <a:noFill/>
-                    </a:lnB>
-                    <a:lnTlToBr w="12700" cmpd="sng">
-                      <a:noFill/>
-                      <a:prstDash val="solid"/>
-                    </a:lnTlToBr>
-                    <a:lnBlToTr w="12700" cmpd="sng">
-                      <a:noFill/>
-                      <a:prstDash val="solid"/>
-                    </a:lnBlToTr>
-                    <a:noFill/>
-                  </a:tcPr>
-                </a:tc>
-                <a:tc hMerge="1">
-                  <a:txBody>
-                    <a:bodyPr/>
-                    <a:lstStyle/>
-                    <a:p>
-                      <a:endParaRPr lang="en-US" dirty="0"/>
-                    </a:p>
-                  </a:txBody>
-                  <a:tcPr/>
-                </a:tc>
-                <a:tc hMerge="1">
-                  <a:txBody>
-                    <a:bodyPr/>
-                    <a:lstStyle/>
-                    <a:p>
-                      <a:endParaRPr lang="en-US" dirty="0"/>
-                    </a:p>
-                  </a:txBody>
-                  <a:tcPr/>
-                </a:tc>
-                <a:tc gridSpan="3">
-                  <a:txBody>
-                    <a:bodyPr/>
-                    <a:lstStyle/>
-                    <a:p>
-                      <a:pPr algn="ctr">
-                        <a:lnSpc>
-                          <a:spcPct val="150000"/>
-                        </a:lnSpc>
-                      </a:pPr>
-                      <a:r>
-                        <a:rPr lang="en-US" sz="1600" spc="300" dirty="0">
-                          <a:solidFill>
-                            <a:schemeClr val="tx1"/>
-                          </a:solidFill>
-                          <a:cs typeface="Biome Light" panose="020B0303030204020804" pitchFamily="34" charset="0"/>
-                        </a:rPr>
-                        <a:t>PRODUCT LAUNCH</a:t>
-                      </a:r>
-                    </a:p>
-                    <a:p>
-                      <a:pPr algn="ctr">
-                        <a:lnSpc>
-                          <a:spcPct val="100000"/>
-                        </a:lnSpc>
-                      </a:pPr>
-                      <a:r>
-                        <a:rPr lang="en-US" sz="1400" b="0" i="0" u="none" strike="noStrike" dirty="0">
-                          <a:solidFill>
-                            <a:schemeClr val="tx1"/>
-                          </a:solidFill>
-                          <a:effectLst/>
-                          <a:cs typeface="Biome Light" panose="020B0303030204020804" pitchFamily="34" charset="0"/>
-                        </a:rPr>
-                        <a:t>Lorem ipsum dolor sit amet, consectetur adipiscing elit. Mauris vitae lorem id leo accumsan.</a:t>
-                      </a:r>
-                      <a:endParaRPr lang="en-US" sz="1400" dirty="0">
-                        <a:solidFill>
-                          <a:schemeClr val="tx1"/>
-                        </a:solidFill>
-                        <a:cs typeface="Biome Light" panose="020B0303030204020804" pitchFamily="34" charset="0"/>
-                      </a:endParaRPr>
-                    </a:p>
-                  </a:txBody>
-                  <a:tcPr anchor="ctr">
-                    <a:lnL w="3175" cap="flat" cmpd="sng" algn="ctr">
-                      <a:solidFill>
-                        <a:schemeClr val="bg2">
-                          <a:lumMod val="50000"/>
-                        </a:schemeClr>
-                      </a:solidFill>
-                      <a:prstDash val="solid"/>
-                      <a:round/>
-                      <a:headEnd type="none" w="med" len="med"/>
-                      <a:tailEnd type="none" w="med" len="med"/>
-                    </a:lnL>
-                    <a:lnR w="3175" cap="flat" cmpd="sng" algn="ctr">
-                      <a:solidFill>
-                        <a:schemeClr val="bg2">
-                          <a:lumMod val="50000"/>
-                        </a:schemeClr>
-                      </a:solidFill>
-                      <a:prstDash val="solid"/>
-                      <a:round/>
-                      <a:headEnd type="none" w="med" len="med"/>
-                      <a:tailEnd type="none" w="med" len="med"/>
-                    </a:lnR>
-                    <a:lnT w="3175" cap="flat" cmpd="sng" algn="ctr">
-                      <a:solidFill>
-                        <a:schemeClr val="bg2">
-                          <a:lumMod val="50000"/>
-                        </a:schemeClr>
-                      </a:solidFill>
-                      <a:prstDash val="solid"/>
-                      <a:round/>
-                      <a:headEnd type="none" w="med" len="med"/>
-                      <a:tailEnd type="none" w="med" len="med"/>
-                    </a:lnT>
-                    <a:lnB w="12700" cmpd="sng">
-                      <a:noFill/>
-                    </a:lnB>
-                    <a:lnTlToBr w="12700" cmpd="sng">
-                      <a:noFill/>
-                      <a:prstDash val="solid"/>
-                    </a:lnTlToBr>
-                    <a:lnBlToTr w="12700" cmpd="sng">
-                      <a:noFill/>
-                      <a:prstDash val="solid"/>
-                    </a:lnBlToTr>
-                    <a:noFill/>
-                  </a:tcPr>
-                </a:tc>
-                <a:tc hMerge="1">
-                  <a:txBody>
-                    <a:bodyPr/>
-                    <a:lstStyle/>
-                    <a:p>
-                      <a:endParaRPr lang="en-US" dirty="0"/>
-                    </a:p>
-                  </a:txBody>
-                  <a:tcPr/>
-                </a:tc>
-                <a:tc hMerge="1">
-                  <a:txBody>
-                    <a:bodyPr/>
-                    <a:lstStyle/>
-                    <a:p>
-                      <a:endParaRPr lang="en-US" dirty="0"/>
-                    </a:p>
-                  </a:txBody>
-                  <a:tcPr/>
-                </a:tc>
-                <a:tc gridSpan="3">
-                  <a:txBody>
-                    <a:bodyPr/>
-                    <a:lstStyle/>
-                    <a:p>
-                      <a:pPr algn="ctr">
-                        <a:lnSpc>
-                          <a:spcPct val="150000"/>
-                        </a:lnSpc>
-                      </a:pPr>
-                      <a:r>
-                        <a:rPr lang="en-US" sz="1600" spc="300" dirty="0">
-                          <a:solidFill>
-                            <a:schemeClr val="tx1"/>
-                          </a:solidFill>
-                          <a:cs typeface="Biome Light" panose="020B0303030204020804" pitchFamily="34" charset="0"/>
-                        </a:rPr>
-                        <a:t>PRODUCT LAUNCH</a:t>
-                      </a:r>
-                    </a:p>
-                    <a:p>
-                      <a:pPr algn="ctr">
-                        <a:lnSpc>
-                          <a:spcPct val="100000"/>
-                        </a:lnSpc>
-                      </a:pPr>
-                      <a:r>
-                        <a:rPr lang="en-US" sz="1400" b="0" i="0" u="none" strike="noStrike" dirty="0">
-                          <a:solidFill>
-                            <a:schemeClr val="tx1"/>
-                          </a:solidFill>
-                          <a:effectLst/>
-                          <a:cs typeface="Biome Light" panose="020B0303030204020804" pitchFamily="34" charset="0"/>
-                        </a:rPr>
-                        <a:t>Lorem ipsum dolor sit amet, consectetur adipiscing elit. Mauris vitae lorem id leo accumsan.</a:t>
-                      </a:r>
-                      <a:endParaRPr lang="en-US" sz="1400" dirty="0">
-                        <a:solidFill>
-                          <a:schemeClr val="tx1"/>
-                        </a:solidFill>
-                        <a:cs typeface="Biome Light" panose="020B0303030204020804" pitchFamily="34" charset="0"/>
-                      </a:endParaRPr>
-                    </a:p>
-                  </a:txBody>
-                  <a:tcPr anchor="ctr">
-                    <a:lnL w="3175" cap="flat" cmpd="sng" algn="ctr">
-                      <a:solidFill>
-                        <a:schemeClr val="bg2">
-                          <a:lumMod val="50000"/>
-                        </a:schemeClr>
-                      </a:solidFill>
-                      <a:prstDash val="solid"/>
-                      <a:round/>
-                      <a:headEnd type="none" w="med" len="med"/>
-                      <a:tailEnd type="none" w="med" len="med"/>
-                    </a:lnL>
-                    <a:lnR w="12700" cmpd="sng">
-                      <a:noFill/>
-                    </a:lnR>
-                    <a:lnT w="3175" cap="flat" cmpd="sng" algn="ctr">
-                      <a:solidFill>
-                        <a:schemeClr val="bg2">
-                          <a:lumMod val="50000"/>
-                        </a:schemeClr>
-                      </a:solidFill>
-                      <a:prstDash val="solid"/>
-                      <a:round/>
-                      <a:headEnd type="none" w="med" len="med"/>
-                      <a:tailEnd type="none" w="med" len="med"/>
-                    </a:lnT>
-                    <a:lnB w="12700" cmpd="sng">
-                      <a:noFill/>
-                    </a:lnB>
-                    <a:lnTlToBr w="12700" cmpd="sng">
-                      <a:noFill/>
-                      <a:prstDash val="solid"/>
-                    </a:lnTlToBr>
-                    <a:lnBlToTr w="12700" cmpd="sng">
-                      <a:noFill/>
-                      <a:prstDash val="solid"/>
-                    </a:lnBlToTr>
-                    <a:noFill/>
-                  </a:tcPr>
-                </a:tc>
-                <a:tc hMerge="1">
-                  <a:txBody>
-                    <a:bodyPr/>
-                    <a:lstStyle/>
-                    <a:p>
-                      <a:endParaRPr lang="en-US" dirty="0"/>
-                    </a:p>
-                  </a:txBody>
-                  <a:tcPr/>
-                </a:tc>
-                <a:tc hMerge="1">
-                  <a:txBody>
-                    <a:bodyPr/>
-                    <a:lstStyle/>
-                    <a:p>
-                      <a:endParaRPr lang="en-US" dirty="0"/>
-                    </a:p>
-                  </a:txBody>
-                  <a:tcPr/>
-                </a:tc>
-                <a:extLst>
-                  <a:ext uri="{0D108BD9-81ED-4DB2-BD59-A6C34878D82A}">
-                    <a16:rowId xmlns:a16="http://schemas.microsoft.com/office/drawing/2014/main" val="50372063"/>
-                  </a:ext>
-                </a:extLst>
-              </a:tr>
-            </a:tbl>
-          </a:graphicData>
-        </a:graphic>
-      </p:graphicFrame>
-      <p:sp>
-        <p:nvSpPr>
-          <p:cNvPr id="6" name="Slide Number Placeholder 5">
-            <a:extLst>
-              <a:ext uri="{FF2B5EF4-FFF2-40B4-BE49-F238E27FC236}">
-                <a16:creationId xmlns:a16="http://schemas.microsoft.com/office/drawing/2014/main" id="{762668FB-51EF-473B-89E5-AB8206BF498C}"/>
-              </a:ext>
-            </a:extLst>
-          </p:cNvPr>
-          <p:cNvSpPr>
-            <a:spLocks noGrp="1"/>
-          </p:cNvSpPr>
-          <p:nvPr>
-            <p:ph type="sldNum" sz="quarter" idx="11"/>
+              <a:rPr lang="en-US" dirty="0"/>
+              <a:t>What’s next</a:t>
+            </a:r>
+          </a:p>
+        </p:txBody>
+      </p:sp>
+      <p:pic>
+        <p:nvPicPr>
+          <p:cNvPr id="13" name="Picture Placeholder 12" descr="close up of computer on top of table against a brick wall">
+            <a:extLst>
+              <a:ext uri="{FF2B5EF4-FFF2-40B4-BE49-F238E27FC236}">
+                <a16:creationId xmlns:a16="http://schemas.microsoft.com/office/drawing/2014/main" id="{90BB9493-60B4-4B89-89CE-E1F8BF6C4D12}"/>
+              </a:ext>
+            </a:extLst>
+          </p:cNvPr>
+          <p:cNvPicPr>
+            <a:picLocks noGrp="1" noChangeAspect="1"/>
+          </p:cNvPicPr>
+          <p:nvPr>
+            <p:ph type="pic" sz="quarter" idx="13"/>
+          </p:nvPr>
+        </p:nvPicPr>
+        <p:blipFill rotWithShape="1">
+          <a:blip r:embed="rId2" cstate="email">
+            <a:extLst>
+              <a:ext uri="{BEBA8EAE-BF5A-486C-A8C5-ECC9F3942E4B}">
+                <a14:imgProps xmlns:a14="http://schemas.microsoft.com/office/drawing/2010/main">
+                  <a14:imgLayer r:embed="rId3">
+                    <a14:imgEffect>
+                      <a14:saturation sat="0"/>
+                    </a14:imgEffect>
+                  </a14:imgLayer>
+                </a14:imgProps>
+              </a:ext>
+              <a:ext uri="{28A0092B-C50C-407E-A947-70E740481C1C}">
+                <a14:useLocalDpi xmlns:a14="http://schemas.microsoft.com/office/drawing/2010/main"/>
+              </a:ext>
+            </a:extLst>
+          </a:blip>
+          <a:srcRect l="20370" r="20370"/>
+          <a:stretch/>
+        </p:blipFill>
+        <p:spPr/>
+      </p:pic>
+      <p:sp>
+        <p:nvSpPr>
+          <p:cNvPr id="5" name="Text Placeholder 4">
+            <a:extLst>
+              <a:ext uri="{FF2B5EF4-FFF2-40B4-BE49-F238E27FC236}">
+                <a16:creationId xmlns:a16="http://schemas.microsoft.com/office/drawing/2014/main" id="{AF9B872F-6332-408E-9135-B871F0C90C00}"/>
+              </a:ext>
+            </a:extLst>
+          </p:cNvPr>
+          <p:cNvSpPr>
+            <a:spLocks noGrp="1"/>
+          </p:cNvSpPr>
+          <p:nvPr>
+            <p:ph type="body" idx="1"/>
+          </p:nvPr>
+        </p:nvSpPr>
+        <p:spPr>
+          <a:xfrm>
+            <a:off x="6096000" y="4378134"/>
+            <a:ext cx="2377440" cy="365125"/>
+          </a:xfrm>
+        </p:spPr>
+        <p:txBody>
+          <a:bodyPr/>
+          <a:lstStyle/>
+          <a:p>
+            <a:r>
+              <a:rPr lang="en-US" spc="300" dirty="0"/>
+              <a:t>LOOKING AHEAD</a:t>
+            </a:r>
+          </a:p>
+        </p:txBody>
+      </p:sp>
+      <p:sp>
+        <p:nvSpPr>
+          <p:cNvPr id="2" name="Slide Number Placeholder 1">
+            <a:extLst>
+              <a:ext uri="{FF2B5EF4-FFF2-40B4-BE49-F238E27FC236}">
+                <a16:creationId xmlns:a16="http://schemas.microsoft.com/office/drawing/2014/main" id="{948DD8A0-BD53-4DBF-949B-0D64D12DADA9}"/>
+              </a:ext>
+            </a:extLst>
+          </p:cNvPr>
+          <p:cNvSpPr>
+            <a:spLocks noGrp="1"/>
+          </p:cNvSpPr>
+          <p:nvPr>
+            <p:ph type="sldNum" sz="quarter" idx="12"/>
           </p:nvPr>
         </p:nvSpPr>
         <p:spPr/>
@@ -9327,7 +7881,7 @@
     </p:spTree>
     <p:extLst>
       <p:ext uri="{BB962C8B-B14F-4D97-AF65-F5344CB8AC3E}">
-        <p14:creationId xmlns:p14="http://schemas.microsoft.com/office/powerpoint/2010/main" val="2129108354"/>
+        <p14:creationId xmlns:p14="http://schemas.microsoft.com/office/powerpoint/2010/main" val="2968625696"/>
       </p:ext>
     </p:extLst>
   </p:cSld>
@@ -9338,595 +7892,6 @@
 </file>
 
 <file path=ppt/slides/slide19.xml><?xml version="1.0" encoding="utf-8"?>
-<p:sld xmlns:a="http://schemas.openxmlformats.org/drawingml/2006/main" xmlns:r="http://schemas.openxmlformats.org/officeDocument/2006/relationships" xmlns:p="http://schemas.openxmlformats.org/presentationml/2006/main">
-  <p:cSld>
-    <p:spTree>
-      <p:nvGrpSpPr>
-        <p:cNvPr id="1" name=""/>
-        <p:cNvGrpSpPr/>
-        <p:nvPr/>
-      </p:nvGrpSpPr>
-      <p:grpSpPr>
-        <a:xfrm>
-          <a:off x="0" y="0"/>
-          <a:ext cx="0" cy="0"/>
-          <a:chOff x="0" y="0"/>
-          <a:chExt cx="0" cy="0"/>
-        </a:xfrm>
-      </p:grpSpPr>
-      <p:sp>
-        <p:nvSpPr>
-          <p:cNvPr id="14" name="Title 2">
-            <a:extLst>
-              <a:ext uri="{FF2B5EF4-FFF2-40B4-BE49-F238E27FC236}">
-                <a16:creationId xmlns:a16="http://schemas.microsoft.com/office/drawing/2014/main" id="{93863800-85E5-44A7-96E9-521CE882616B}"/>
-              </a:ext>
-            </a:extLst>
-          </p:cNvPr>
-          <p:cNvSpPr>
-            <a:spLocks noGrp="1"/>
-          </p:cNvSpPr>
-          <p:nvPr>
-            <p:ph type="title"/>
-          </p:nvPr>
-        </p:nvSpPr>
-        <p:spPr/>
-        <p:txBody>
-          <a:bodyPr anchor="ctr">
-            <a:normAutofit/>
-          </a:bodyPr>
-          <a:lstStyle/>
-          <a:p>
-            <a:pPr algn="ctr"/>
-            <a:r>
-              <a:rPr lang="en-US" sz="4800" spc="300" dirty="0"/>
-              <a:t>Goals for q2</a:t>
-            </a:r>
-          </a:p>
-        </p:txBody>
-      </p:sp>
-      <p:pic>
-        <p:nvPicPr>
-          <p:cNvPr id="15" name="Picture Placeholder 14" descr="group professional photo">
-            <a:extLst>
-              <a:ext uri="{FF2B5EF4-FFF2-40B4-BE49-F238E27FC236}">
-                <a16:creationId xmlns:a16="http://schemas.microsoft.com/office/drawing/2014/main" id="{4B696E0D-78B0-41A4-A40D-7A4F6E88FEB7}"/>
-              </a:ext>
-            </a:extLst>
-          </p:cNvPr>
-          <p:cNvPicPr>
-            <a:picLocks noGrp="1" noChangeAspect="1"/>
-          </p:cNvPicPr>
-          <p:nvPr>
-            <p:ph type="pic" sz="quarter" idx="10"/>
-          </p:nvPr>
-        </p:nvPicPr>
-        <p:blipFill>
-          <a:blip r:embed="rId2" cstate="email">
-            <a:extLst>
-              <a:ext uri="{BEBA8EAE-BF5A-486C-A8C5-ECC9F3942E4B}">
-                <a14:imgProps xmlns:a14="http://schemas.microsoft.com/office/drawing/2010/main">
-                  <a14:imgLayer r:embed="rId3">
-                    <a14:imgEffect>
-                      <a14:saturation sat="0"/>
-                    </a14:imgEffect>
-                  </a14:imgLayer>
-                </a14:imgProps>
-              </a:ext>
-              <a:ext uri="{28A0092B-C50C-407E-A947-70E740481C1C}">
-                <a14:useLocalDpi xmlns:a14="http://schemas.microsoft.com/office/drawing/2010/main"/>
-              </a:ext>
-            </a:extLst>
-          </a:blip>
-          <a:srcRect t="22475" b="22475"/>
-          <a:stretch>
-            <a:fillRect/>
-          </a:stretch>
-        </p:blipFill>
-        <p:spPr/>
-      </p:pic>
-      <p:pic>
-        <p:nvPicPr>
-          <p:cNvPr id="10" name="Picture Placeholder 9" descr="close up of computer boards">
-            <a:extLst>
-              <a:ext uri="{FF2B5EF4-FFF2-40B4-BE49-F238E27FC236}">
-                <a16:creationId xmlns:a16="http://schemas.microsoft.com/office/drawing/2014/main" id="{AD4E0449-1F68-4DB7-BBE6-7BC3B0E30699}"/>
-              </a:ext>
-            </a:extLst>
-          </p:cNvPr>
-          <p:cNvPicPr>
-            <a:picLocks noGrp="1" noChangeAspect="1"/>
-          </p:cNvPicPr>
-          <p:nvPr>
-            <p:ph type="pic" sz="quarter" idx="11"/>
-          </p:nvPr>
-        </p:nvPicPr>
-        <p:blipFill>
-          <a:blip r:embed="rId4" cstate="email">
-            <a:extLst>
-              <a:ext uri="{BEBA8EAE-BF5A-486C-A8C5-ECC9F3942E4B}">
-                <a14:imgProps xmlns:a14="http://schemas.microsoft.com/office/drawing/2010/main">
-                  <a14:imgLayer r:embed="rId5">
-                    <a14:imgEffect>
-                      <a14:saturation sat="0"/>
-                    </a14:imgEffect>
-                  </a14:imgLayer>
-                </a14:imgProps>
-              </a:ext>
-              <a:ext uri="{28A0092B-C50C-407E-A947-70E740481C1C}">
-                <a14:useLocalDpi xmlns:a14="http://schemas.microsoft.com/office/drawing/2010/main"/>
-              </a:ext>
-            </a:extLst>
-          </a:blip>
-          <a:srcRect t="15074" b="15074"/>
-          <a:stretch>
-            <a:fillRect/>
-          </a:stretch>
-        </p:blipFill>
-        <p:spPr/>
-      </p:pic>
-      <p:sp>
-        <p:nvSpPr>
-          <p:cNvPr id="4" name="Text Placeholder 3">
-            <a:extLst>
-              <a:ext uri="{FF2B5EF4-FFF2-40B4-BE49-F238E27FC236}">
-                <a16:creationId xmlns:a16="http://schemas.microsoft.com/office/drawing/2014/main" id="{CC409A73-2FDB-4725-9558-77B4ACF929B3}"/>
-              </a:ext>
-            </a:extLst>
-          </p:cNvPr>
-          <p:cNvSpPr>
-            <a:spLocks noGrp="1"/>
-          </p:cNvSpPr>
-          <p:nvPr>
-            <p:ph type="body" idx="1"/>
-          </p:nvPr>
-        </p:nvSpPr>
-        <p:spPr/>
-        <p:txBody>
-          <a:bodyPr>
-            <a:normAutofit fontScale="92500" lnSpcReduction="20000"/>
-          </a:bodyPr>
-          <a:lstStyle/>
-          <a:p>
-            <a:r>
-              <a:rPr lang="en-US" spc="300" dirty="0">
-                <a:solidFill>
-                  <a:schemeClr val="tx1"/>
-                </a:solidFill>
-              </a:rPr>
-              <a:t>EMPLOYEE OPPORTUNITIES</a:t>
-            </a:r>
-          </a:p>
-        </p:txBody>
-      </p:sp>
-      <p:sp>
-        <p:nvSpPr>
-          <p:cNvPr id="6" name="Text Placeholder 5">
-            <a:extLst>
-              <a:ext uri="{FF2B5EF4-FFF2-40B4-BE49-F238E27FC236}">
-                <a16:creationId xmlns:a16="http://schemas.microsoft.com/office/drawing/2014/main" id="{5FBB0776-0624-4A97-8BD3-03CF602288BA}"/>
-              </a:ext>
-            </a:extLst>
-          </p:cNvPr>
-          <p:cNvSpPr>
-            <a:spLocks noGrp="1"/>
-          </p:cNvSpPr>
-          <p:nvPr>
-            <p:ph type="body" sz="quarter" idx="3"/>
-          </p:nvPr>
-        </p:nvSpPr>
-        <p:spPr/>
-        <p:txBody>
-          <a:bodyPr>
-            <a:normAutofit fontScale="92500" lnSpcReduction="20000"/>
-          </a:bodyPr>
-          <a:lstStyle/>
-          <a:p>
-            <a:r>
-              <a:rPr lang="en-US" spc="300" dirty="0">
-                <a:solidFill>
-                  <a:schemeClr val="tx1"/>
-                </a:solidFill>
-              </a:rPr>
-              <a:t>BUSINESS PRIORITIES</a:t>
-            </a:r>
-          </a:p>
-        </p:txBody>
-      </p:sp>
-      <p:sp>
-        <p:nvSpPr>
-          <p:cNvPr id="5" name="Content Placeholder 4">
-            <a:extLst>
-              <a:ext uri="{FF2B5EF4-FFF2-40B4-BE49-F238E27FC236}">
-                <a16:creationId xmlns:a16="http://schemas.microsoft.com/office/drawing/2014/main" id="{56D0F54D-A602-4D35-8BE1-6B9BE8078989}"/>
-              </a:ext>
-            </a:extLst>
-          </p:cNvPr>
-          <p:cNvSpPr>
-            <a:spLocks noGrp="1"/>
-          </p:cNvSpPr>
-          <p:nvPr>
-            <p:ph sz="half" idx="2"/>
-          </p:nvPr>
-        </p:nvSpPr>
-        <p:spPr/>
-        <p:txBody>
-          <a:bodyPr>
-            <a:normAutofit/>
-          </a:bodyPr>
-          <a:lstStyle/>
-          <a:p>
-            <a:pPr>
-              <a:lnSpc>
-                <a:spcPct val="100000"/>
-              </a:lnSpc>
-              <a:buFont typeface="Wingdings" panose="05000000000000000000" pitchFamily="2" charset="2"/>
-              <a:buChar char="§"/>
-            </a:pPr>
-            <a:r>
-              <a:rPr lang="en-US" sz="1400" dirty="0">
-                <a:solidFill>
-                  <a:schemeClr val="tx1"/>
-                </a:solidFill>
-              </a:rPr>
-              <a:t>End of fiscal celebration on July 15th </a:t>
-            </a:r>
-          </a:p>
-          <a:p>
-            <a:pPr>
-              <a:lnSpc>
-                <a:spcPct val="100000"/>
-              </a:lnSpc>
-              <a:buFont typeface="Wingdings" panose="05000000000000000000" pitchFamily="2" charset="2"/>
-              <a:buChar char="§"/>
-            </a:pPr>
-            <a:r>
-              <a:rPr lang="en-US" sz="1400" dirty="0">
-                <a:solidFill>
-                  <a:schemeClr val="tx1"/>
-                </a:solidFill>
-              </a:rPr>
-              <a:t>Employee day of learning on August 14th </a:t>
-            </a:r>
-          </a:p>
-          <a:p>
-            <a:pPr>
-              <a:lnSpc>
-                <a:spcPct val="100000"/>
-              </a:lnSpc>
-              <a:buFont typeface="Wingdings" panose="05000000000000000000" pitchFamily="2" charset="2"/>
-              <a:buChar char="§"/>
-            </a:pPr>
-            <a:r>
-              <a:rPr lang="en-US" sz="1400" dirty="0">
-                <a:solidFill>
-                  <a:schemeClr val="tx1"/>
-                </a:solidFill>
-              </a:rPr>
-              <a:t>Employee Yoga on September 3rd </a:t>
-            </a:r>
-          </a:p>
-          <a:p>
-            <a:pPr>
-              <a:lnSpc>
-                <a:spcPct val="100000"/>
-              </a:lnSpc>
-              <a:buFont typeface="Wingdings" panose="05000000000000000000" pitchFamily="2" charset="2"/>
-              <a:buChar char="§"/>
-            </a:pPr>
-            <a:r>
-              <a:rPr lang="en-US" sz="1400" dirty="0">
-                <a:solidFill>
-                  <a:schemeClr val="tx1"/>
-                </a:solidFill>
-              </a:rPr>
-              <a:t>Seminar series begins September 10th </a:t>
-            </a:r>
-          </a:p>
-        </p:txBody>
-      </p:sp>
-      <p:sp>
-        <p:nvSpPr>
-          <p:cNvPr id="7" name="Content Placeholder 6">
-            <a:extLst>
-              <a:ext uri="{FF2B5EF4-FFF2-40B4-BE49-F238E27FC236}">
-                <a16:creationId xmlns:a16="http://schemas.microsoft.com/office/drawing/2014/main" id="{EFFBC808-1837-4C36-BFF0-135B8C1042A2}"/>
-              </a:ext>
-            </a:extLst>
-          </p:cNvPr>
-          <p:cNvSpPr>
-            <a:spLocks noGrp="1"/>
-          </p:cNvSpPr>
-          <p:nvPr>
-            <p:ph sz="quarter" idx="4"/>
-          </p:nvPr>
-        </p:nvSpPr>
-        <p:spPr/>
-        <p:txBody>
-          <a:bodyPr>
-            <a:normAutofit/>
-          </a:bodyPr>
-          <a:lstStyle/>
-          <a:p>
-            <a:pPr>
-              <a:lnSpc>
-                <a:spcPct val="100000"/>
-              </a:lnSpc>
-              <a:buFont typeface="Wingdings" panose="05000000000000000000" pitchFamily="2" charset="2"/>
-              <a:buChar char="§"/>
-            </a:pPr>
-            <a:r>
-              <a:rPr lang="en-US" sz="1400" dirty="0">
-                <a:solidFill>
-                  <a:schemeClr val="tx1"/>
-                </a:solidFill>
-              </a:rPr>
-              <a:t>Increase customer satisfaction by 2%</a:t>
-            </a:r>
-          </a:p>
-          <a:p>
-            <a:pPr>
-              <a:lnSpc>
-                <a:spcPct val="100000"/>
-              </a:lnSpc>
-              <a:buFont typeface="Wingdings" panose="05000000000000000000" pitchFamily="2" charset="2"/>
-              <a:buChar char="§"/>
-            </a:pPr>
-            <a:r>
-              <a:rPr lang="en-US" sz="1400" dirty="0">
-                <a:solidFill>
-                  <a:schemeClr val="tx1"/>
-                </a:solidFill>
-              </a:rPr>
-              <a:t>Maintain growth</a:t>
-            </a:r>
-          </a:p>
-          <a:p>
-            <a:pPr>
-              <a:lnSpc>
-                <a:spcPct val="100000"/>
-              </a:lnSpc>
-              <a:buFont typeface="Wingdings" panose="05000000000000000000" pitchFamily="2" charset="2"/>
-              <a:buChar char="§"/>
-            </a:pPr>
-            <a:r>
-              <a:rPr lang="en-US" sz="1400" dirty="0">
-                <a:solidFill>
-                  <a:schemeClr val="tx1"/>
-                </a:solidFill>
-              </a:rPr>
-              <a:t>Initiative partnership with 3rd party organizations</a:t>
-            </a:r>
-          </a:p>
-        </p:txBody>
-      </p:sp>
-      <p:sp>
-        <p:nvSpPr>
-          <p:cNvPr id="16" name="Slide Number Placeholder 15">
-            <a:extLst>
-              <a:ext uri="{FF2B5EF4-FFF2-40B4-BE49-F238E27FC236}">
-                <a16:creationId xmlns:a16="http://schemas.microsoft.com/office/drawing/2014/main" id="{8E69FE38-B9E0-4441-8A00-92DDB88DF02C}"/>
-              </a:ext>
-            </a:extLst>
-          </p:cNvPr>
-          <p:cNvSpPr>
-            <a:spLocks noGrp="1"/>
-          </p:cNvSpPr>
-          <p:nvPr>
-            <p:ph type="sldNum" sz="quarter" idx="12"/>
-          </p:nvPr>
-        </p:nvSpPr>
-        <p:spPr/>
-        <p:txBody>
-          <a:bodyPr/>
-          <a:lstStyle/>
-          <a:p>
-            <a:fld id="{8C2E478F-E849-4A8C-AF1F-CBCC78A7CBFA}" type="slidenum">
-              <a:rPr lang="en-US" smtClean="0"/>
-              <a:t>19</a:t>
-            </a:fld>
-            <a:endParaRPr lang="en-US" dirty="0"/>
-          </a:p>
-        </p:txBody>
-      </p:sp>
-    </p:spTree>
-    <p:extLst>
-      <p:ext uri="{BB962C8B-B14F-4D97-AF65-F5344CB8AC3E}">
-        <p14:creationId xmlns:p14="http://schemas.microsoft.com/office/powerpoint/2010/main" val="1619265676"/>
-      </p:ext>
-    </p:extLst>
-  </p:cSld>
-  <p:clrMapOvr>
-    <a:masterClrMapping/>
-  </p:clrMapOvr>
-</p:sld>
-</file>
-
-<file path=ppt/slides/slide2.xml><?xml version="1.0" encoding="utf-8"?>
-<p:sld xmlns:a="http://schemas.openxmlformats.org/drawingml/2006/main" xmlns:r="http://schemas.openxmlformats.org/officeDocument/2006/relationships" xmlns:p="http://schemas.openxmlformats.org/presentationml/2006/main">
-  <p:cSld>
-    <p:spTree>
-      <p:nvGrpSpPr>
-        <p:cNvPr id="1" name=""/>
-        <p:cNvGrpSpPr/>
-        <p:nvPr/>
-      </p:nvGrpSpPr>
-      <p:grpSpPr>
-        <a:xfrm>
-          <a:off x="0" y="0"/>
-          <a:ext cx="0" cy="0"/>
-          <a:chOff x="0" y="0"/>
-          <a:chExt cx="0" cy="0"/>
-        </a:xfrm>
-      </p:grpSpPr>
-      <p:sp>
-        <p:nvSpPr>
-          <p:cNvPr id="2" name="Title 1">
-            <a:extLst>
-              <a:ext uri="{FF2B5EF4-FFF2-40B4-BE49-F238E27FC236}">
-                <a16:creationId xmlns:a16="http://schemas.microsoft.com/office/drawing/2014/main" id="{BE3A87B3-0A27-4EE9-979E-B69581E476F0}"/>
-              </a:ext>
-            </a:extLst>
-          </p:cNvPr>
-          <p:cNvSpPr>
-            <a:spLocks noGrp="1"/>
-          </p:cNvSpPr>
-          <p:nvPr>
-            <p:ph type="title"/>
-          </p:nvPr>
-        </p:nvSpPr>
-        <p:spPr/>
-        <p:txBody>
-          <a:bodyPr/>
-          <a:lstStyle/>
-          <a:p>
-            <a:r>
-              <a:rPr lang="en-US" dirty="0"/>
-              <a:t>Agenda</a:t>
-            </a:r>
-          </a:p>
-        </p:txBody>
-      </p:sp>
-      <p:pic>
-        <p:nvPicPr>
-          <p:cNvPr id="8" name="Picture Placeholder 7" descr="group of people at a conference table">
-            <a:extLst>
-              <a:ext uri="{FF2B5EF4-FFF2-40B4-BE49-F238E27FC236}">
-                <a16:creationId xmlns:a16="http://schemas.microsoft.com/office/drawing/2014/main" id="{BB76F5AB-0940-46E1-85F9-6A870D7D04C9}"/>
-              </a:ext>
-            </a:extLst>
-          </p:cNvPr>
-          <p:cNvPicPr>
-            <a:picLocks noGrp="1" noChangeAspect="1"/>
-          </p:cNvPicPr>
-          <p:nvPr>
-            <p:ph type="pic" sz="quarter" idx="13"/>
-          </p:nvPr>
-        </p:nvPicPr>
-        <p:blipFill rotWithShape="1">
-          <a:blip r:embed="rId2">
-            <a:extLst>
-              <a:ext uri="{BEBA8EAE-BF5A-486C-A8C5-ECC9F3942E4B}">
-                <a14:imgProps xmlns:a14="http://schemas.microsoft.com/office/drawing/2010/main">
-                  <a14:imgLayer r:embed="rId3">
-                    <a14:imgEffect>
-                      <a14:saturation sat="0"/>
-                    </a14:imgEffect>
-                  </a14:imgLayer>
-                </a14:imgProps>
-              </a:ext>
-            </a:extLst>
-          </a:blip>
-          <a:srcRect l="20370" r="20370"/>
-          <a:stretch/>
-        </p:blipFill>
-        <p:spPr/>
-      </p:pic>
-      <p:sp>
-        <p:nvSpPr>
-          <p:cNvPr id="6" name="Text Placeholder 5">
-            <a:extLst>
-              <a:ext uri="{FF2B5EF4-FFF2-40B4-BE49-F238E27FC236}">
-                <a16:creationId xmlns:a16="http://schemas.microsoft.com/office/drawing/2014/main" id="{F3C89A40-EEAA-43AB-9A3A-B2CFDE450F1B}"/>
-              </a:ext>
-            </a:extLst>
-          </p:cNvPr>
-          <p:cNvSpPr>
-            <a:spLocks noGrp="1"/>
-          </p:cNvSpPr>
-          <p:nvPr>
-            <p:ph type="body" sz="quarter" idx="15"/>
-          </p:nvPr>
-        </p:nvSpPr>
-        <p:spPr/>
-        <p:txBody>
-          <a:bodyPr/>
-          <a:lstStyle/>
-          <a:p>
-            <a:r>
-              <a:rPr lang="en-US" dirty="0"/>
-              <a:t>INTRODUCTION</a:t>
-            </a:r>
-          </a:p>
-          <a:p>
-            <a:r>
-              <a:rPr lang="en-US" dirty="0"/>
-              <a:t>SCOPE &amp; GOAL</a:t>
-            </a:r>
-          </a:p>
-          <a:p>
-            <a:r>
-              <a:rPr lang="en-US" dirty="0"/>
-              <a:t>METHODS</a:t>
-            </a:r>
-          </a:p>
-          <a:p>
-            <a:r>
-              <a:rPr lang="en-US" dirty="0"/>
-              <a:t>TIMELINES</a:t>
-            </a:r>
-          </a:p>
-          <a:p>
-            <a:r>
-              <a:rPr lang="en-US" dirty="0"/>
-              <a:t>SUMMARY</a:t>
-            </a:r>
-          </a:p>
-          <a:p>
-            <a:r>
-              <a:rPr lang="en-US" dirty="0"/>
-              <a:t>REFERENCES</a:t>
-            </a:r>
-          </a:p>
-          <a:p>
-            <a:endParaRPr lang="en-US" dirty="0"/>
-          </a:p>
-        </p:txBody>
-      </p:sp>
-      <p:sp>
-        <p:nvSpPr>
-          <p:cNvPr id="7" name="Slide Number Placeholder 6">
-            <a:extLst>
-              <a:ext uri="{FF2B5EF4-FFF2-40B4-BE49-F238E27FC236}">
-                <a16:creationId xmlns:a16="http://schemas.microsoft.com/office/drawing/2014/main" id="{F29F8048-1E86-48F4-B246-D2F8C54B7EB1}"/>
-              </a:ext>
-            </a:extLst>
-          </p:cNvPr>
-          <p:cNvSpPr>
-            <a:spLocks noGrp="1"/>
-          </p:cNvSpPr>
-          <p:nvPr>
-            <p:ph type="sldNum" sz="quarter" idx="12"/>
-          </p:nvPr>
-        </p:nvSpPr>
-        <p:spPr/>
-        <p:txBody>
-          <a:bodyPr/>
-          <a:lstStyle/>
-          <a:p>
-            <a:fld id="{8C2E478F-E849-4A8C-AF1F-CBCC78A7CBFA}" type="slidenum">
-              <a:rPr lang="en-US" smtClean="0"/>
-              <a:pPr/>
-              <a:t>2</a:t>
-            </a:fld>
-            <a:endParaRPr lang="en-US" dirty="0"/>
-          </a:p>
-        </p:txBody>
-      </p:sp>
-    </p:spTree>
-    <p:extLst>
-      <p:ext uri="{BB962C8B-B14F-4D97-AF65-F5344CB8AC3E}">
-        <p14:creationId xmlns:p14="http://schemas.microsoft.com/office/powerpoint/2010/main" val="1649098948"/>
-      </p:ext>
-    </p:extLst>
-  </p:cSld>
-  <p:clrMapOvr>
-    <a:masterClrMapping/>
-  </p:clrMapOvr>
-</p:sld>
-</file>
-
-<file path=ppt/slides/slide20.xml><?xml version="1.0" encoding="utf-8"?>
 <p:sld xmlns:a="http://schemas.openxmlformats.org/drawingml/2006/main" xmlns:r="http://schemas.openxmlformats.org/officeDocument/2006/relationships" xmlns:p="http://schemas.openxmlformats.org/presentationml/2006/main">
   <p:cSld>
     <p:spTree>
@@ -10721,7 +8686,7 @@
           <a:p>
             <a:fld id="{8C2E478F-E849-4A8C-AF1F-CBCC78A7CBFA}" type="slidenum">
               <a:rPr lang="en-US" smtClean="0"/>
-              <a:t>20</a:t>
+              <a:t>19</a:t>
             </a:fld>
             <a:endParaRPr lang="en-US" dirty="0"/>
           </a:p>
@@ -10740,7 +8705,191 @@
 </p:sld>
 </file>
 
-<file path=ppt/slides/slide21.xml><?xml version="1.0" encoding="utf-8"?>
+<file path=ppt/slides/slide2.xml><?xml version="1.0" encoding="utf-8"?>
+<p:sld xmlns:a="http://schemas.openxmlformats.org/drawingml/2006/main" xmlns:r="http://schemas.openxmlformats.org/officeDocument/2006/relationships" xmlns:p="http://schemas.openxmlformats.org/presentationml/2006/main">
+  <p:cSld>
+    <p:spTree>
+      <p:nvGrpSpPr>
+        <p:cNvPr id="1" name=""/>
+        <p:cNvGrpSpPr/>
+        <p:nvPr/>
+      </p:nvGrpSpPr>
+      <p:grpSpPr>
+        <a:xfrm>
+          <a:off x="0" y="0"/>
+          <a:ext cx="0" cy="0"/>
+          <a:chOff x="0" y="0"/>
+          <a:chExt cx="0" cy="0"/>
+        </a:xfrm>
+      </p:grpSpPr>
+      <p:sp>
+        <p:nvSpPr>
+          <p:cNvPr id="2" name="Title 1">
+            <a:extLst>
+              <a:ext uri="{FF2B5EF4-FFF2-40B4-BE49-F238E27FC236}">
+                <a16:creationId xmlns:a16="http://schemas.microsoft.com/office/drawing/2014/main" id="{BE3A87B3-0A27-4EE9-979E-B69581E476F0}"/>
+              </a:ext>
+            </a:extLst>
+          </p:cNvPr>
+          <p:cNvSpPr>
+            <a:spLocks noGrp="1"/>
+          </p:cNvSpPr>
+          <p:nvPr>
+            <p:ph type="title"/>
+          </p:nvPr>
+        </p:nvSpPr>
+        <p:spPr/>
+        <p:txBody>
+          <a:bodyPr/>
+          <a:lstStyle/>
+          <a:p>
+            <a:r>
+              <a:rPr lang="en-US" dirty="0"/>
+              <a:t>Agenda</a:t>
+            </a:r>
+          </a:p>
+        </p:txBody>
+      </p:sp>
+      <p:pic>
+        <p:nvPicPr>
+          <p:cNvPr id="8" name="Picture Placeholder 7" descr="group of people at a conference table">
+            <a:extLst>
+              <a:ext uri="{FF2B5EF4-FFF2-40B4-BE49-F238E27FC236}">
+                <a16:creationId xmlns:a16="http://schemas.microsoft.com/office/drawing/2014/main" id="{BB76F5AB-0940-46E1-85F9-6A870D7D04C9}"/>
+              </a:ext>
+            </a:extLst>
+          </p:cNvPr>
+          <p:cNvPicPr>
+            <a:picLocks noGrp="1" noChangeAspect="1"/>
+          </p:cNvPicPr>
+          <p:nvPr>
+            <p:ph type="pic" sz="quarter" idx="13"/>
+          </p:nvPr>
+        </p:nvPicPr>
+        <p:blipFill rotWithShape="1">
+          <a:blip r:embed="rId2">
+            <a:extLst>
+              <a:ext uri="{BEBA8EAE-BF5A-486C-A8C5-ECC9F3942E4B}">
+                <a14:imgProps xmlns:a14="http://schemas.microsoft.com/office/drawing/2010/main">
+                  <a14:imgLayer r:embed="rId3">
+                    <a14:imgEffect>
+                      <a14:saturation sat="0"/>
+                    </a14:imgEffect>
+                  </a14:imgLayer>
+                </a14:imgProps>
+              </a:ext>
+            </a:extLst>
+          </a:blip>
+          <a:srcRect l="20370" r="20370"/>
+          <a:stretch/>
+        </p:blipFill>
+        <p:spPr/>
+      </p:pic>
+      <p:sp>
+        <p:nvSpPr>
+          <p:cNvPr id="6" name="Text Placeholder 5">
+            <a:extLst>
+              <a:ext uri="{FF2B5EF4-FFF2-40B4-BE49-F238E27FC236}">
+                <a16:creationId xmlns:a16="http://schemas.microsoft.com/office/drawing/2014/main" id="{F3C89A40-EEAA-43AB-9A3A-B2CFDE450F1B}"/>
+              </a:ext>
+            </a:extLst>
+          </p:cNvPr>
+          <p:cNvSpPr>
+            <a:spLocks noGrp="1"/>
+          </p:cNvSpPr>
+          <p:nvPr>
+            <p:ph type="body" sz="quarter" idx="15"/>
+          </p:nvPr>
+        </p:nvSpPr>
+        <p:spPr/>
+        <p:txBody>
+          <a:bodyPr/>
+          <a:lstStyle/>
+          <a:p>
+            <a:r>
+              <a:rPr lang="en-US" dirty="0"/>
+              <a:t>INTRODUCTION</a:t>
+            </a:r>
+          </a:p>
+          <a:p>
+            <a:r>
+              <a:rPr lang="en-US" dirty="0"/>
+              <a:t>SCOPE &amp; GOAL</a:t>
+            </a:r>
+          </a:p>
+          <a:p>
+            <a:r>
+              <a:rPr lang="en-US" dirty="0"/>
+              <a:t>METHODS</a:t>
+            </a:r>
+          </a:p>
+          <a:p>
+            <a:r>
+              <a:rPr lang="en-US" dirty="0"/>
+              <a:t>TIMELINES</a:t>
+            </a:r>
+          </a:p>
+          <a:p>
+            <a:r>
+              <a:rPr lang="en-US" dirty="0"/>
+              <a:t>SUMMARY</a:t>
+            </a:r>
+          </a:p>
+          <a:p>
+            <a:r>
+              <a:rPr lang="en-US" dirty="0"/>
+              <a:t>REFERENCES</a:t>
+            </a:r>
+          </a:p>
+          <a:p>
+            <a:endParaRPr lang="en-US" dirty="0"/>
+          </a:p>
+        </p:txBody>
+      </p:sp>
+      <p:sp>
+        <p:nvSpPr>
+          <p:cNvPr id="7" name="Slide Number Placeholder 6">
+            <a:extLst>
+              <a:ext uri="{FF2B5EF4-FFF2-40B4-BE49-F238E27FC236}">
+                <a16:creationId xmlns:a16="http://schemas.microsoft.com/office/drawing/2014/main" id="{F29F8048-1E86-48F4-B246-D2F8C54B7EB1}"/>
+              </a:ext>
+            </a:extLst>
+          </p:cNvPr>
+          <p:cNvSpPr>
+            <a:spLocks noGrp="1"/>
+          </p:cNvSpPr>
+          <p:nvPr>
+            <p:ph type="sldNum" sz="quarter" idx="12"/>
+          </p:nvPr>
+        </p:nvSpPr>
+        <p:spPr/>
+        <p:txBody>
+          <a:bodyPr/>
+          <a:lstStyle/>
+          <a:p>
+            <a:fld id="{8C2E478F-E849-4A8C-AF1F-CBCC78A7CBFA}" type="slidenum">
+              <a:rPr lang="en-US" smtClean="0"/>
+              <a:pPr/>
+              <a:t>2</a:t>
+            </a:fld>
+            <a:endParaRPr lang="en-US" dirty="0"/>
+          </a:p>
+        </p:txBody>
+      </p:sp>
+    </p:spTree>
+    <p:extLst>
+      <p:ext uri="{BB962C8B-B14F-4D97-AF65-F5344CB8AC3E}">
+        <p14:creationId xmlns:p14="http://schemas.microsoft.com/office/powerpoint/2010/main" val="1649098948"/>
+      </p:ext>
+    </p:extLst>
+  </p:cSld>
+  <p:clrMapOvr>
+    <a:masterClrMapping/>
+  </p:clrMapOvr>
+</p:sld>
+</file>
+
+<file path=ppt/slides/slide20.xml><?xml version="1.0" encoding="utf-8"?>
 <p:sld xmlns:a="http://schemas.openxmlformats.org/drawingml/2006/main" xmlns:r="http://schemas.openxmlformats.org/officeDocument/2006/relationships" xmlns:p="http://schemas.openxmlformats.org/presentationml/2006/main">
   <p:cSld>
     <p:spTree>
@@ -11267,7 +9416,7 @@
           <a:p>
             <a:fld id="{8C2E478F-E849-4A8C-AF1F-CBCC78A7CBFA}" type="slidenum">
               <a:rPr lang="en-US" smtClean="0"/>
-              <a:t>21</a:t>
+              <a:t>20</a:t>
             </a:fld>
             <a:endParaRPr lang="en-US" dirty="0"/>
           </a:p>
@@ -11286,7 +9435,7 @@
 </p:sld>
 </file>
 
-<file path=ppt/slides/slide22.xml><?xml version="1.0" encoding="utf-8"?>
+<file path=ppt/slides/slide21.xml><?xml version="1.0" encoding="utf-8"?>
 <p:sld xmlns:a="http://schemas.openxmlformats.org/drawingml/2006/main" xmlns:r="http://schemas.openxmlformats.org/officeDocument/2006/relationships" xmlns:p="http://schemas.openxmlformats.org/presentationml/2006/main">
   <p:cSld>
     <p:bg>
@@ -12120,35 +10269,7 @@
                 <a:effectLst/>
                 <a:latin typeface="Times New Roman" panose="02020603050405020304" pitchFamily="18" charset="0"/>
               </a:rPr>
-              <a:t>This project seeks to employ machine learning, particularly deep learning methods, to model and predict the adoption process of technology within the </a:t>
-            </a:r>
-            <a:r>
-              <a:rPr lang="en-US" sz="1800" b="0" i="0" u="none" strike="noStrike" dirty="0" err="1">
-                <a:effectLst/>
-                <a:latin typeface="Times New Roman" panose="02020603050405020304" pitchFamily="18" charset="0"/>
-              </a:rPr>
-              <a:t>defence</a:t>
-            </a:r>
-            <a:r>
-              <a:rPr lang="en-US" sz="1800" b="0" i="0" u="none" strike="noStrike" dirty="0">
-                <a:effectLst/>
-                <a:latin typeface="Times New Roman" panose="02020603050405020304" pitchFamily="18" charset="0"/>
-              </a:rPr>
-              <a:t> industry. Utilizing multilayered neural networks (such as CNN or RNN or combination), we aim to compare and evaluate the results against established adoption models such as S Curve, BASS Diffusion Model, Pearl, Gompertz, and Logistic Model. By focusing on technology management, our goal is to understand, model, and predict the rate of technology adoption, thus informing strategies for enhancing the integration of technologies in the </a:t>
-            </a:r>
-            <a:r>
-              <a:rPr lang="en-US" sz="1800" b="0" i="0" u="none" strike="noStrike" dirty="0" err="1">
-                <a:effectLst/>
-                <a:latin typeface="Times New Roman" panose="02020603050405020304" pitchFamily="18" charset="0"/>
-              </a:rPr>
-              <a:t>defence</a:t>
-            </a:r>
-            <a:r>
-              <a:rPr lang="en-US" sz="1800" b="0" i="0" u="none" strike="noStrike" dirty="0">
-                <a:effectLst/>
-                <a:latin typeface="Times New Roman" panose="02020603050405020304" pitchFamily="18" charset="0"/>
-              </a:rPr>
-              <a:t> sector.</a:t>
+              <a:t>This project seeks to employ machine learning, particularly deep learning methods, to model and predict the adoption process of technology. Utilizing multilayered neural networks (such as CNN or RNN or combination), we aim to compare and evaluate the results against established adoption models such as S Curve, BASS Diffusion Model, Pearl, Gompertz, and Logistic Model. By focusing on technology management, our goal is to understand, model, and predict the rate of technology adoption, thus informing strategies for enhancing the integration of technologies.</a:t>
             </a:r>
             <a:endParaRPr lang="en-US" b="0" dirty="0">
               <a:effectLst/>
@@ -12258,7 +10379,7 @@
                 <a:effectLst/>
                 <a:latin typeface="Times New Roman" panose="02020603050405020304" pitchFamily="18" charset="0"/>
               </a:rPr>
-              <a:t>Point Purpose</a:t>
+              <a:t>Pointed Purpose</a:t>
             </a:r>
             <a:endParaRPr lang="en-US" sz="2000" dirty="0"/>
           </a:p>
@@ -13655,12 +11776,12 @@
 </file>
 
 <file path=customXml/item1.xml><?xml version="1.0" encoding="utf-8"?>
-<p:properties xmlns:p="http://schemas.microsoft.com/office/2006/metadata/properties" xmlns:xsi="http://www.w3.org/2001/XMLSchema-instance" xmlns:pc="http://schemas.microsoft.com/office/infopath/2007/PartnerControls">
-  <documentManagement>
-    <Status xmlns="71af3243-3dd4-4a8d-8c0d-dd76da1f02a5">Not started</Status>
-    <MediaServiceKeyPoints xmlns="71af3243-3dd4-4a8d-8c0d-dd76da1f02a5" xsi:nil="true"/>
-  </documentManagement>
-</p:properties>
+<?mso-contentType ?>
+<FormTemplates xmlns="http://schemas.microsoft.com/sharepoint/v3/contenttype/forms">
+  <Display>DocumentLibraryForm</Display>
+  <Edit>DocumentLibraryForm</Edit>
+  <New>DocumentLibraryForm</New>
+</FormTemplates>
 </file>
 
 <file path=customXml/item2.xml><?xml version="1.0" encoding="utf-8"?>
@@ -13885,20 +12006,18 @@
 </file>
 
 <file path=customXml/item3.xml><?xml version="1.0" encoding="utf-8"?>
-<?mso-contentType ?>
-<FormTemplates xmlns="http://schemas.microsoft.com/sharepoint/v3/contenttype/forms">
-  <Display>DocumentLibraryForm</Display>
-  <Edit>DocumentLibraryForm</Edit>
-  <New>DocumentLibraryForm</New>
-</FormTemplates>
+<p:properties xmlns:p="http://schemas.microsoft.com/office/2006/metadata/properties" xmlns:xsi="http://www.w3.org/2001/XMLSchema-instance" xmlns:pc="http://schemas.microsoft.com/office/infopath/2007/PartnerControls">
+  <documentManagement>
+    <Status xmlns="71af3243-3dd4-4a8d-8c0d-dd76da1f02a5">Not started</Status>
+    <MediaServiceKeyPoints xmlns="71af3243-3dd4-4a8d-8c0d-dd76da1f02a5" xsi:nil="true"/>
+  </documentManagement>
+</p:properties>
 </file>
 
 <file path=customXml/itemProps1.xml><?xml version="1.0" encoding="utf-8"?>
-<ds:datastoreItem xmlns:ds="http://schemas.openxmlformats.org/officeDocument/2006/customXml" ds:itemID="{E3D9F223-918A-45AF-9B53-56AB9E5E2182}">
+<ds:datastoreItem xmlns:ds="http://schemas.openxmlformats.org/officeDocument/2006/customXml" ds:itemID="{1B7E2D32-4FDD-4266-880C-17595B801432}">
   <ds:schemaRefs>
-    <ds:schemaRef ds:uri="http://schemas.microsoft.com/office/2006/metadata/properties"/>
-    <ds:schemaRef ds:uri="http://schemas.microsoft.com/office/infopath/2007/PartnerControls"/>
-    <ds:schemaRef ds:uri="71af3243-3dd4-4a8d-8c0d-dd76da1f02a5"/>
+    <ds:schemaRef ds:uri="http://schemas.microsoft.com/sharepoint/v3/contenttype/forms"/>
   </ds:schemaRefs>
 </ds:datastoreItem>
 </file>
@@ -13923,9 +12042,11 @@
 </file>
 
 <file path=customXml/itemProps3.xml><?xml version="1.0" encoding="utf-8"?>
-<ds:datastoreItem xmlns:ds="http://schemas.openxmlformats.org/officeDocument/2006/customXml" ds:itemID="{1B7E2D32-4FDD-4266-880C-17595B801432}">
+<ds:datastoreItem xmlns:ds="http://schemas.openxmlformats.org/officeDocument/2006/customXml" ds:itemID="{E3D9F223-918A-45AF-9B53-56AB9E5E2182}">
   <ds:schemaRefs>
-    <ds:schemaRef ds:uri="http://schemas.microsoft.com/sharepoint/v3/contenttype/forms"/>
+    <ds:schemaRef ds:uri="http://schemas.microsoft.com/office/2006/metadata/properties"/>
+    <ds:schemaRef ds:uri="http://schemas.microsoft.com/office/infopath/2007/PartnerControls"/>
+    <ds:schemaRef ds:uri="71af3243-3dd4-4a8d-8c0d-dd76da1f02a5"/>
   </ds:schemaRefs>
 </ds:datastoreItem>
 </file>